--- a/Budweiser_Presentation.pptx
+++ b/Budweiser_Presentation.pptx
@@ -4,21 +4,23 @@
   <p:sldMasterIdLst>
     <p:sldMasterId id="2147483648" r:id="rId1"/>
   </p:sldMasterIdLst>
+  <p:notesMasterIdLst>
+    <p:notesMasterId r:id="rId15"/>
+  </p:notesMasterIdLst>
   <p:sldIdLst>
     <p:sldId id="256" r:id="rId2"/>
     <p:sldId id="257" r:id="rId3"/>
     <p:sldId id="258" r:id="rId4"/>
-    <p:sldId id="259" r:id="rId5"/>
-    <p:sldId id="260" r:id="rId6"/>
-    <p:sldId id="262" r:id="rId7"/>
-    <p:sldId id="263" r:id="rId8"/>
-    <p:sldId id="264" r:id="rId9"/>
-    <p:sldId id="265" r:id="rId10"/>
-    <p:sldId id="266" r:id="rId11"/>
-    <p:sldId id="267" r:id="rId12"/>
-    <p:sldId id="268" r:id="rId13"/>
-    <p:sldId id="270" r:id="rId14"/>
-    <p:sldId id="269" r:id="rId15"/>
+    <p:sldId id="260" r:id="rId5"/>
+    <p:sldId id="262" r:id="rId6"/>
+    <p:sldId id="263" r:id="rId7"/>
+    <p:sldId id="264" r:id="rId8"/>
+    <p:sldId id="265" r:id="rId9"/>
+    <p:sldId id="266" r:id="rId10"/>
+    <p:sldId id="267" r:id="rId11"/>
+    <p:sldId id="268" r:id="rId12"/>
+    <p:sldId id="270" r:id="rId13"/>
+    <p:sldId id="269" r:id="rId14"/>
   </p:sldIdLst>
   <p:sldSz cx="12192000" cy="6858000"/>
   <p:notesSz cx="6858000" cy="9144000"/>
@@ -283,6 +285,1447 @@
     </pc:docChg>
   </pc:docChgLst>
 </pc:chgInfo>
+</file>
+
+<file path=ppt/notesMasters/notesMaster1.xml><?xml version="1.0" encoding="utf-8"?>
+<p:notesMaster xmlns:a="http://schemas.openxmlformats.org/drawingml/2006/main" xmlns:r="http://schemas.openxmlformats.org/officeDocument/2006/relationships" xmlns:p="http://schemas.openxmlformats.org/presentationml/2006/main">
+  <p:cSld>
+    <p:bg>
+      <p:bgRef idx="1001">
+        <a:schemeClr val="bg1"/>
+      </p:bgRef>
+    </p:bg>
+    <p:spTree>
+      <p:nvGrpSpPr>
+        <p:cNvPr id="1" name=""/>
+        <p:cNvGrpSpPr/>
+        <p:nvPr/>
+      </p:nvGrpSpPr>
+      <p:grpSpPr>
+        <a:xfrm>
+          <a:off x="0" y="0"/>
+          <a:ext cx="0" cy="0"/>
+          <a:chOff x="0" y="0"/>
+          <a:chExt cx="0" cy="0"/>
+        </a:xfrm>
+      </p:grpSpPr>
+      <p:sp>
+        <p:nvSpPr>
+          <p:cNvPr id="2" name="Header Placeholder 1"/>
+          <p:cNvSpPr>
+            <a:spLocks noGrp="1"/>
+          </p:cNvSpPr>
+          <p:nvPr>
+            <p:ph type="hdr" sz="quarter"/>
+          </p:nvPr>
+        </p:nvSpPr>
+        <p:spPr>
+          <a:xfrm>
+            <a:off x="0" y="0"/>
+            <a:ext cx="2971800" cy="458788"/>
+          </a:xfrm>
+          <a:prstGeom prst="rect">
+            <a:avLst/>
+          </a:prstGeom>
+        </p:spPr>
+        <p:txBody>
+          <a:bodyPr vert="horz" lIns="91440" tIns="45720" rIns="91440" bIns="45720" rtlCol="0"/>
+          <a:lstStyle>
+            <a:lvl1pPr algn="l">
+              <a:defRPr sz="1200"/>
+            </a:lvl1pPr>
+          </a:lstStyle>
+          <a:p>
+            <a:endParaRPr lang="en-US"/>
+          </a:p>
+        </p:txBody>
+      </p:sp>
+      <p:sp>
+        <p:nvSpPr>
+          <p:cNvPr id="3" name="Date Placeholder 2"/>
+          <p:cNvSpPr>
+            <a:spLocks noGrp="1"/>
+          </p:cNvSpPr>
+          <p:nvPr>
+            <p:ph type="dt" idx="1"/>
+          </p:nvPr>
+        </p:nvSpPr>
+        <p:spPr>
+          <a:xfrm>
+            <a:off x="3884613" y="0"/>
+            <a:ext cx="2971800" cy="458788"/>
+          </a:xfrm>
+          <a:prstGeom prst="rect">
+            <a:avLst/>
+          </a:prstGeom>
+        </p:spPr>
+        <p:txBody>
+          <a:bodyPr vert="horz" lIns="91440" tIns="45720" rIns="91440" bIns="45720" rtlCol="0"/>
+          <a:lstStyle>
+            <a:lvl1pPr algn="r">
+              <a:defRPr sz="1200"/>
+            </a:lvl1pPr>
+          </a:lstStyle>
+          <a:p>
+            <a:fld id="{40BE2079-5966-1C44-BB26-886BE7360287}" type="datetimeFigureOut">
+              <a:rPr lang="en-US" smtClean="0"/>
+              <a:t>7/4/20</a:t>
+            </a:fld>
+            <a:endParaRPr lang="en-US"/>
+          </a:p>
+        </p:txBody>
+      </p:sp>
+      <p:sp>
+        <p:nvSpPr>
+          <p:cNvPr id="4" name="Slide Image Placeholder 3"/>
+          <p:cNvSpPr>
+            <a:spLocks noGrp="1" noRot="1" noChangeAspect="1"/>
+          </p:cNvSpPr>
+          <p:nvPr>
+            <p:ph type="sldImg" idx="2"/>
+          </p:nvPr>
+        </p:nvSpPr>
+        <p:spPr>
+          <a:xfrm>
+            <a:off x="685800" y="1143000"/>
+            <a:ext cx="5486400" cy="3086100"/>
+          </a:xfrm>
+          <a:prstGeom prst="rect">
+            <a:avLst/>
+          </a:prstGeom>
+          <a:noFill/>
+          <a:ln w="12700">
+            <a:solidFill>
+              <a:prstClr val="black"/>
+            </a:solidFill>
+          </a:ln>
+        </p:spPr>
+        <p:txBody>
+          <a:bodyPr vert="horz" lIns="91440" tIns="45720" rIns="91440" bIns="45720" rtlCol="0" anchor="ctr"/>
+          <a:lstStyle/>
+          <a:p>
+            <a:endParaRPr lang="en-US"/>
+          </a:p>
+        </p:txBody>
+      </p:sp>
+      <p:sp>
+        <p:nvSpPr>
+          <p:cNvPr id="5" name="Notes Placeholder 4"/>
+          <p:cNvSpPr>
+            <a:spLocks noGrp="1"/>
+          </p:cNvSpPr>
+          <p:nvPr>
+            <p:ph type="body" sz="quarter" idx="3"/>
+          </p:nvPr>
+        </p:nvSpPr>
+        <p:spPr>
+          <a:xfrm>
+            <a:off x="685800" y="4400550"/>
+            <a:ext cx="5486400" cy="3600450"/>
+          </a:xfrm>
+          <a:prstGeom prst="rect">
+            <a:avLst/>
+          </a:prstGeom>
+        </p:spPr>
+        <p:txBody>
+          <a:bodyPr vert="horz" lIns="91440" tIns="45720" rIns="91440" bIns="45720" rtlCol="0"/>
+          <a:lstStyle/>
+          <a:p>
+            <a:pPr lvl="0"/>
+            <a:r>
+              <a:rPr lang="en-US"/>
+              <a:t>Click to edit Master text styles</a:t>
+            </a:r>
+          </a:p>
+          <a:p>
+            <a:pPr lvl="1"/>
+            <a:r>
+              <a:rPr lang="en-US"/>
+              <a:t>Second level</a:t>
+            </a:r>
+          </a:p>
+          <a:p>
+            <a:pPr lvl="2"/>
+            <a:r>
+              <a:rPr lang="en-US"/>
+              <a:t>Third level</a:t>
+            </a:r>
+          </a:p>
+          <a:p>
+            <a:pPr lvl="3"/>
+            <a:r>
+              <a:rPr lang="en-US"/>
+              <a:t>Fourth level</a:t>
+            </a:r>
+          </a:p>
+          <a:p>
+            <a:pPr lvl="4"/>
+            <a:r>
+              <a:rPr lang="en-US"/>
+              <a:t>Fifth level</a:t>
+            </a:r>
+          </a:p>
+        </p:txBody>
+      </p:sp>
+      <p:sp>
+        <p:nvSpPr>
+          <p:cNvPr id="6" name="Footer Placeholder 5"/>
+          <p:cNvSpPr>
+            <a:spLocks noGrp="1"/>
+          </p:cNvSpPr>
+          <p:nvPr>
+            <p:ph type="ftr" sz="quarter" idx="4"/>
+          </p:nvPr>
+        </p:nvSpPr>
+        <p:spPr>
+          <a:xfrm>
+            <a:off x="0" y="8685213"/>
+            <a:ext cx="2971800" cy="458787"/>
+          </a:xfrm>
+          <a:prstGeom prst="rect">
+            <a:avLst/>
+          </a:prstGeom>
+        </p:spPr>
+        <p:txBody>
+          <a:bodyPr vert="horz" lIns="91440" tIns="45720" rIns="91440" bIns="45720" rtlCol="0" anchor="b"/>
+          <a:lstStyle>
+            <a:lvl1pPr algn="l">
+              <a:defRPr sz="1200"/>
+            </a:lvl1pPr>
+          </a:lstStyle>
+          <a:p>
+            <a:endParaRPr lang="en-US"/>
+          </a:p>
+        </p:txBody>
+      </p:sp>
+      <p:sp>
+        <p:nvSpPr>
+          <p:cNvPr id="7" name="Slide Number Placeholder 6"/>
+          <p:cNvSpPr>
+            <a:spLocks noGrp="1"/>
+          </p:cNvSpPr>
+          <p:nvPr>
+            <p:ph type="sldNum" sz="quarter" idx="5"/>
+          </p:nvPr>
+        </p:nvSpPr>
+        <p:spPr>
+          <a:xfrm>
+            <a:off x="3884613" y="8685213"/>
+            <a:ext cx="2971800" cy="458787"/>
+          </a:xfrm>
+          <a:prstGeom prst="rect">
+            <a:avLst/>
+          </a:prstGeom>
+        </p:spPr>
+        <p:txBody>
+          <a:bodyPr vert="horz" lIns="91440" tIns="45720" rIns="91440" bIns="45720" rtlCol="0" anchor="b"/>
+          <a:lstStyle>
+            <a:lvl1pPr algn="r">
+              <a:defRPr sz="1200"/>
+            </a:lvl1pPr>
+          </a:lstStyle>
+          <a:p>
+            <a:fld id="{1C5390F8-990F-354C-A1EF-976A2588A283}" type="slidenum">
+              <a:rPr lang="en-US" smtClean="0"/>
+              <a:t>‹#›</a:t>
+            </a:fld>
+            <a:endParaRPr lang="en-US"/>
+          </a:p>
+        </p:txBody>
+      </p:sp>
+    </p:spTree>
+    <p:extLst>
+      <p:ext uri="{BB962C8B-B14F-4D97-AF65-F5344CB8AC3E}">
+        <p14:creationId xmlns:p14="http://schemas.microsoft.com/office/powerpoint/2010/main" val="670042219"/>
+      </p:ext>
+    </p:extLst>
+  </p:cSld>
+  <p:clrMap bg1="lt1" tx1="dk1" bg2="lt2" tx2="dk2" accent1="accent1" accent2="accent2" accent3="accent3" accent4="accent4" accent5="accent5" accent6="accent6" hlink="hlink" folHlink="folHlink"/>
+  <p:notesStyle>
+    <a:lvl1pPr marL="0" algn="l" defTabSz="914400" rtl="0" eaLnBrk="1" latinLnBrk="0" hangingPunct="1">
+      <a:defRPr sz="1200" kern="1200">
+        <a:solidFill>
+          <a:schemeClr val="tx1"/>
+        </a:solidFill>
+        <a:latin typeface="+mn-lt"/>
+        <a:ea typeface="+mn-ea"/>
+        <a:cs typeface="+mn-cs"/>
+      </a:defRPr>
+    </a:lvl1pPr>
+    <a:lvl2pPr marL="457200" algn="l" defTabSz="914400" rtl="0" eaLnBrk="1" latinLnBrk="0" hangingPunct="1">
+      <a:defRPr sz="1200" kern="1200">
+        <a:solidFill>
+          <a:schemeClr val="tx1"/>
+        </a:solidFill>
+        <a:latin typeface="+mn-lt"/>
+        <a:ea typeface="+mn-ea"/>
+        <a:cs typeface="+mn-cs"/>
+      </a:defRPr>
+    </a:lvl2pPr>
+    <a:lvl3pPr marL="914400" algn="l" defTabSz="914400" rtl="0" eaLnBrk="1" latinLnBrk="0" hangingPunct="1">
+      <a:defRPr sz="1200" kern="1200">
+        <a:solidFill>
+          <a:schemeClr val="tx1"/>
+        </a:solidFill>
+        <a:latin typeface="+mn-lt"/>
+        <a:ea typeface="+mn-ea"/>
+        <a:cs typeface="+mn-cs"/>
+      </a:defRPr>
+    </a:lvl3pPr>
+    <a:lvl4pPr marL="1371600" algn="l" defTabSz="914400" rtl="0" eaLnBrk="1" latinLnBrk="0" hangingPunct="1">
+      <a:defRPr sz="1200" kern="1200">
+        <a:solidFill>
+          <a:schemeClr val="tx1"/>
+        </a:solidFill>
+        <a:latin typeface="+mn-lt"/>
+        <a:ea typeface="+mn-ea"/>
+        <a:cs typeface="+mn-cs"/>
+      </a:defRPr>
+    </a:lvl4pPr>
+    <a:lvl5pPr marL="1828800" algn="l" defTabSz="914400" rtl="0" eaLnBrk="1" latinLnBrk="0" hangingPunct="1">
+      <a:defRPr sz="1200" kern="1200">
+        <a:solidFill>
+          <a:schemeClr val="tx1"/>
+        </a:solidFill>
+        <a:latin typeface="+mn-lt"/>
+        <a:ea typeface="+mn-ea"/>
+        <a:cs typeface="+mn-cs"/>
+      </a:defRPr>
+    </a:lvl5pPr>
+    <a:lvl6pPr marL="2286000" algn="l" defTabSz="914400" rtl="0" eaLnBrk="1" latinLnBrk="0" hangingPunct="1">
+      <a:defRPr sz="1200" kern="1200">
+        <a:solidFill>
+          <a:schemeClr val="tx1"/>
+        </a:solidFill>
+        <a:latin typeface="+mn-lt"/>
+        <a:ea typeface="+mn-ea"/>
+        <a:cs typeface="+mn-cs"/>
+      </a:defRPr>
+    </a:lvl6pPr>
+    <a:lvl7pPr marL="2743200" algn="l" defTabSz="914400" rtl="0" eaLnBrk="1" latinLnBrk="0" hangingPunct="1">
+      <a:defRPr sz="1200" kern="1200">
+        <a:solidFill>
+          <a:schemeClr val="tx1"/>
+        </a:solidFill>
+        <a:latin typeface="+mn-lt"/>
+        <a:ea typeface="+mn-ea"/>
+        <a:cs typeface="+mn-cs"/>
+      </a:defRPr>
+    </a:lvl7pPr>
+    <a:lvl8pPr marL="3200400" algn="l" defTabSz="914400" rtl="0" eaLnBrk="1" latinLnBrk="0" hangingPunct="1">
+      <a:defRPr sz="1200" kern="1200">
+        <a:solidFill>
+          <a:schemeClr val="tx1"/>
+        </a:solidFill>
+        <a:latin typeface="+mn-lt"/>
+        <a:ea typeface="+mn-ea"/>
+        <a:cs typeface="+mn-cs"/>
+      </a:defRPr>
+    </a:lvl8pPr>
+    <a:lvl9pPr marL="3657600" algn="l" defTabSz="914400" rtl="0" eaLnBrk="1" latinLnBrk="0" hangingPunct="1">
+      <a:defRPr sz="1200" kern="1200">
+        <a:solidFill>
+          <a:schemeClr val="tx1"/>
+        </a:solidFill>
+        <a:latin typeface="+mn-lt"/>
+        <a:ea typeface="+mn-ea"/>
+        <a:cs typeface="+mn-cs"/>
+      </a:defRPr>
+    </a:lvl9pPr>
+  </p:notesStyle>
+</p:notesMaster>
+</file>
+
+<file path=ppt/notesSlides/notesSlide1.xml><?xml version="1.0" encoding="utf-8"?>
+<p:notes xmlns:a="http://schemas.openxmlformats.org/drawingml/2006/main" xmlns:r="http://schemas.openxmlformats.org/officeDocument/2006/relationships" xmlns:p="http://schemas.openxmlformats.org/presentationml/2006/main">
+  <p:cSld>
+    <p:spTree>
+      <p:nvGrpSpPr>
+        <p:cNvPr id="1" name=""/>
+        <p:cNvGrpSpPr/>
+        <p:nvPr/>
+      </p:nvGrpSpPr>
+      <p:grpSpPr>
+        <a:xfrm>
+          <a:off x="0" y="0"/>
+          <a:ext cx="0" cy="0"/>
+          <a:chOff x="0" y="0"/>
+          <a:chExt cx="0" cy="0"/>
+        </a:xfrm>
+      </p:grpSpPr>
+      <p:sp>
+        <p:nvSpPr>
+          <p:cNvPr id="2" name="Slide Image Placeholder 1"/>
+          <p:cNvSpPr>
+            <a:spLocks noGrp="1" noRot="1" noChangeAspect="1"/>
+          </p:cNvSpPr>
+          <p:nvPr>
+            <p:ph type="sldImg"/>
+          </p:nvPr>
+        </p:nvSpPr>
+        <p:spPr/>
+      </p:sp>
+      <p:sp>
+        <p:nvSpPr>
+          <p:cNvPr id="3" name="Notes Placeholder 2"/>
+          <p:cNvSpPr>
+            <a:spLocks noGrp="1"/>
+          </p:cNvSpPr>
+          <p:nvPr>
+            <p:ph type="body" idx="1"/>
+          </p:nvPr>
+        </p:nvSpPr>
+        <p:spPr/>
+        <p:txBody>
+          <a:bodyPr/>
+          <a:lstStyle/>
+          <a:p>
+            <a:endParaRPr lang="en-US"/>
+          </a:p>
+        </p:txBody>
+      </p:sp>
+      <p:sp>
+        <p:nvSpPr>
+          <p:cNvPr id="4" name="Slide Number Placeholder 3"/>
+          <p:cNvSpPr>
+            <a:spLocks noGrp="1"/>
+          </p:cNvSpPr>
+          <p:nvPr>
+            <p:ph type="sldNum" sz="quarter" idx="5"/>
+          </p:nvPr>
+        </p:nvSpPr>
+        <p:spPr/>
+        <p:txBody>
+          <a:bodyPr/>
+          <a:lstStyle/>
+          <a:p>
+            <a:fld id="{1C5390F8-990F-354C-A1EF-976A2588A283}" type="slidenum">
+              <a:rPr lang="en-US" smtClean="0"/>
+              <a:t>1</a:t>
+            </a:fld>
+            <a:endParaRPr lang="en-US"/>
+          </a:p>
+        </p:txBody>
+      </p:sp>
+    </p:spTree>
+    <p:extLst>
+      <p:ext uri="{BB962C8B-B14F-4D97-AF65-F5344CB8AC3E}">
+        <p14:creationId xmlns:p14="http://schemas.microsoft.com/office/powerpoint/2010/main" val="3670216604"/>
+      </p:ext>
+    </p:extLst>
+  </p:cSld>
+  <p:clrMapOvr>
+    <a:masterClrMapping/>
+  </p:clrMapOvr>
+</p:notes>
+</file>
+
+<file path=ppt/notesSlides/notesSlide10.xml><?xml version="1.0" encoding="utf-8"?>
+<p:notes xmlns:a="http://schemas.openxmlformats.org/drawingml/2006/main" xmlns:r="http://schemas.openxmlformats.org/officeDocument/2006/relationships" xmlns:p="http://schemas.openxmlformats.org/presentationml/2006/main">
+  <p:cSld>
+    <p:spTree>
+      <p:nvGrpSpPr>
+        <p:cNvPr id="1" name=""/>
+        <p:cNvGrpSpPr/>
+        <p:nvPr/>
+      </p:nvGrpSpPr>
+      <p:grpSpPr>
+        <a:xfrm>
+          <a:off x="0" y="0"/>
+          <a:ext cx="0" cy="0"/>
+          <a:chOff x="0" y="0"/>
+          <a:chExt cx="0" cy="0"/>
+        </a:xfrm>
+      </p:grpSpPr>
+      <p:sp>
+        <p:nvSpPr>
+          <p:cNvPr id="2" name="Slide Image Placeholder 1"/>
+          <p:cNvSpPr>
+            <a:spLocks noGrp="1" noRot="1" noChangeAspect="1"/>
+          </p:cNvSpPr>
+          <p:nvPr>
+            <p:ph type="sldImg"/>
+          </p:nvPr>
+        </p:nvSpPr>
+        <p:spPr/>
+      </p:sp>
+      <p:sp>
+        <p:nvSpPr>
+          <p:cNvPr id="3" name="Notes Placeholder 2"/>
+          <p:cNvSpPr>
+            <a:spLocks noGrp="1"/>
+          </p:cNvSpPr>
+          <p:nvPr>
+            <p:ph type="body" idx="1"/>
+          </p:nvPr>
+        </p:nvSpPr>
+        <p:spPr/>
+        <p:txBody>
+          <a:bodyPr/>
+          <a:lstStyle/>
+          <a:p>
+            <a:endParaRPr lang="en-US"/>
+          </a:p>
+        </p:txBody>
+      </p:sp>
+      <p:sp>
+        <p:nvSpPr>
+          <p:cNvPr id="4" name="Slide Number Placeholder 3"/>
+          <p:cNvSpPr>
+            <a:spLocks noGrp="1"/>
+          </p:cNvSpPr>
+          <p:nvPr>
+            <p:ph type="sldNum" sz="quarter" idx="5"/>
+          </p:nvPr>
+        </p:nvSpPr>
+        <p:spPr/>
+        <p:txBody>
+          <a:bodyPr/>
+          <a:lstStyle/>
+          <a:p>
+            <a:fld id="{1C5390F8-990F-354C-A1EF-976A2588A283}" type="slidenum">
+              <a:rPr lang="en-US" smtClean="0"/>
+              <a:t>10</a:t>
+            </a:fld>
+            <a:endParaRPr lang="en-US"/>
+          </a:p>
+        </p:txBody>
+      </p:sp>
+    </p:spTree>
+    <p:extLst>
+      <p:ext uri="{BB962C8B-B14F-4D97-AF65-F5344CB8AC3E}">
+        <p14:creationId xmlns:p14="http://schemas.microsoft.com/office/powerpoint/2010/main" val="4270549443"/>
+      </p:ext>
+    </p:extLst>
+  </p:cSld>
+  <p:clrMapOvr>
+    <a:masterClrMapping/>
+  </p:clrMapOvr>
+</p:notes>
+</file>
+
+<file path=ppt/notesSlides/notesSlide11.xml><?xml version="1.0" encoding="utf-8"?>
+<p:notes xmlns:a="http://schemas.openxmlformats.org/drawingml/2006/main" xmlns:r="http://schemas.openxmlformats.org/officeDocument/2006/relationships" xmlns:p="http://schemas.openxmlformats.org/presentationml/2006/main">
+  <p:cSld>
+    <p:spTree>
+      <p:nvGrpSpPr>
+        <p:cNvPr id="1" name=""/>
+        <p:cNvGrpSpPr/>
+        <p:nvPr/>
+      </p:nvGrpSpPr>
+      <p:grpSpPr>
+        <a:xfrm>
+          <a:off x="0" y="0"/>
+          <a:ext cx="0" cy="0"/>
+          <a:chOff x="0" y="0"/>
+          <a:chExt cx="0" cy="0"/>
+        </a:xfrm>
+      </p:grpSpPr>
+      <p:sp>
+        <p:nvSpPr>
+          <p:cNvPr id="2" name="Slide Image Placeholder 1"/>
+          <p:cNvSpPr>
+            <a:spLocks noGrp="1" noRot="1" noChangeAspect="1"/>
+          </p:cNvSpPr>
+          <p:nvPr>
+            <p:ph type="sldImg"/>
+          </p:nvPr>
+        </p:nvSpPr>
+        <p:spPr/>
+      </p:sp>
+      <p:sp>
+        <p:nvSpPr>
+          <p:cNvPr id="3" name="Notes Placeholder 2"/>
+          <p:cNvSpPr>
+            <a:spLocks noGrp="1"/>
+          </p:cNvSpPr>
+          <p:nvPr>
+            <p:ph type="body" idx="1"/>
+          </p:nvPr>
+        </p:nvSpPr>
+        <p:spPr/>
+        <p:txBody>
+          <a:bodyPr/>
+          <a:lstStyle/>
+          <a:p>
+            <a:endParaRPr lang="en-US"/>
+          </a:p>
+        </p:txBody>
+      </p:sp>
+      <p:sp>
+        <p:nvSpPr>
+          <p:cNvPr id="4" name="Slide Number Placeholder 3"/>
+          <p:cNvSpPr>
+            <a:spLocks noGrp="1"/>
+          </p:cNvSpPr>
+          <p:nvPr>
+            <p:ph type="sldNum" sz="quarter" idx="5"/>
+          </p:nvPr>
+        </p:nvSpPr>
+        <p:spPr/>
+        <p:txBody>
+          <a:bodyPr/>
+          <a:lstStyle/>
+          <a:p>
+            <a:fld id="{1C5390F8-990F-354C-A1EF-976A2588A283}" type="slidenum">
+              <a:rPr lang="en-US" smtClean="0"/>
+              <a:t>11</a:t>
+            </a:fld>
+            <a:endParaRPr lang="en-US"/>
+          </a:p>
+        </p:txBody>
+      </p:sp>
+    </p:spTree>
+    <p:extLst>
+      <p:ext uri="{BB962C8B-B14F-4D97-AF65-F5344CB8AC3E}">
+        <p14:creationId xmlns:p14="http://schemas.microsoft.com/office/powerpoint/2010/main" val="404684444"/>
+      </p:ext>
+    </p:extLst>
+  </p:cSld>
+  <p:clrMapOvr>
+    <a:masterClrMapping/>
+  </p:clrMapOvr>
+</p:notes>
+</file>
+
+<file path=ppt/notesSlides/notesSlide12.xml><?xml version="1.0" encoding="utf-8"?>
+<p:notes xmlns:a="http://schemas.openxmlformats.org/drawingml/2006/main" xmlns:r="http://schemas.openxmlformats.org/officeDocument/2006/relationships" xmlns:p="http://schemas.openxmlformats.org/presentationml/2006/main">
+  <p:cSld>
+    <p:spTree>
+      <p:nvGrpSpPr>
+        <p:cNvPr id="1" name=""/>
+        <p:cNvGrpSpPr/>
+        <p:nvPr/>
+      </p:nvGrpSpPr>
+      <p:grpSpPr>
+        <a:xfrm>
+          <a:off x="0" y="0"/>
+          <a:ext cx="0" cy="0"/>
+          <a:chOff x="0" y="0"/>
+          <a:chExt cx="0" cy="0"/>
+        </a:xfrm>
+      </p:grpSpPr>
+      <p:sp>
+        <p:nvSpPr>
+          <p:cNvPr id="2" name="Slide Image Placeholder 1"/>
+          <p:cNvSpPr>
+            <a:spLocks noGrp="1" noRot="1" noChangeAspect="1"/>
+          </p:cNvSpPr>
+          <p:nvPr>
+            <p:ph type="sldImg"/>
+          </p:nvPr>
+        </p:nvSpPr>
+        <p:spPr/>
+      </p:sp>
+      <p:sp>
+        <p:nvSpPr>
+          <p:cNvPr id="3" name="Notes Placeholder 2"/>
+          <p:cNvSpPr>
+            <a:spLocks noGrp="1"/>
+          </p:cNvSpPr>
+          <p:nvPr>
+            <p:ph type="body" idx="1"/>
+          </p:nvPr>
+        </p:nvSpPr>
+        <p:spPr/>
+        <p:txBody>
+          <a:bodyPr/>
+          <a:lstStyle/>
+          <a:p>
+            <a:endParaRPr lang="en-US"/>
+          </a:p>
+        </p:txBody>
+      </p:sp>
+      <p:sp>
+        <p:nvSpPr>
+          <p:cNvPr id="4" name="Slide Number Placeholder 3"/>
+          <p:cNvSpPr>
+            <a:spLocks noGrp="1"/>
+          </p:cNvSpPr>
+          <p:nvPr>
+            <p:ph type="sldNum" sz="quarter" idx="5"/>
+          </p:nvPr>
+        </p:nvSpPr>
+        <p:spPr/>
+        <p:txBody>
+          <a:bodyPr/>
+          <a:lstStyle/>
+          <a:p>
+            <a:fld id="{1C5390F8-990F-354C-A1EF-976A2588A283}" type="slidenum">
+              <a:rPr lang="en-US" smtClean="0"/>
+              <a:t>12</a:t>
+            </a:fld>
+            <a:endParaRPr lang="en-US"/>
+          </a:p>
+        </p:txBody>
+      </p:sp>
+    </p:spTree>
+    <p:extLst>
+      <p:ext uri="{BB962C8B-B14F-4D97-AF65-F5344CB8AC3E}">
+        <p14:creationId xmlns:p14="http://schemas.microsoft.com/office/powerpoint/2010/main" val="3904942542"/>
+      </p:ext>
+    </p:extLst>
+  </p:cSld>
+  <p:clrMapOvr>
+    <a:masterClrMapping/>
+  </p:clrMapOvr>
+</p:notes>
+</file>
+
+<file path=ppt/notesSlides/notesSlide13.xml><?xml version="1.0" encoding="utf-8"?>
+<p:notes xmlns:a="http://schemas.openxmlformats.org/drawingml/2006/main" xmlns:r="http://schemas.openxmlformats.org/officeDocument/2006/relationships" xmlns:p="http://schemas.openxmlformats.org/presentationml/2006/main">
+  <p:cSld>
+    <p:spTree>
+      <p:nvGrpSpPr>
+        <p:cNvPr id="1" name=""/>
+        <p:cNvGrpSpPr/>
+        <p:nvPr/>
+      </p:nvGrpSpPr>
+      <p:grpSpPr>
+        <a:xfrm>
+          <a:off x="0" y="0"/>
+          <a:ext cx="0" cy="0"/>
+          <a:chOff x="0" y="0"/>
+          <a:chExt cx="0" cy="0"/>
+        </a:xfrm>
+      </p:grpSpPr>
+      <p:sp>
+        <p:nvSpPr>
+          <p:cNvPr id="2" name="Slide Image Placeholder 1"/>
+          <p:cNvSpPr>
+            <a:spLocks noGrp="1" noRot="1" noChangeAspect="1"/>
+          </p:cNvSpPr>
+          <p:nvPr>
+            <p:ph type="sldImg"/>
+          </p:nvPr>
+        </p:nvSpPr>
+        <p:spPr/>
+      </p:sp>
+      <p:sp>
+        <p:nvSpPr>
+          <p:cNvPr id="3" name="Notes Placeholder 2"/>
+          <p:cNvSpPr>
+            <a:spLocks noGrp="1"/>
+          </p:cNvSpPr>
+          <p:nvPr>
+            <p:ph type="body" idx="1"/>
+          </p:nvPr>
+        </p:nvSpPr>
+        <p:spPr/>
+        <p:txBody>
+          <a:bodyPr/>
+          <a:lstStyle/>
+          <a:p>
+            <a:endParaRPr lang="en-US"/>
+          </a:p>
+        </p:txBody>
+      </p:sp>
+      <p:sp>
+        <p:nvSpPr>
+          <p:cNvPr id="4" name="Slide Number Placeholder 3"/>
+          <p:cNvSpPr>
+            <a:spLocks noGrp="1"/>
+          </p:cNvSpPr>
+          <p:nvPr>
+            <p:ph type="sldNum" sz="quarter" idx="5"/>
+          </p:nvPr>
+        </p:nvSpPr>
+        <p:spPr/>
+        <p:txBody>
+          <a:bodyPr/>
+          <a:lstStyle/>
+          <a:p>
+            <a:fld id="{1C5390F8-990F-354C-A1EF-976A2588A283}" type="slidenum">
+              <a:rPr lang="en-US" smtClean="0"/>
+              <a:t>13</a:t>
+            </a:fld>
+            <a:endParaRPr lang="en-US"/>
+          </a:p>
+        </p:txBody>
+      </p:sp>
+    </p:spTree>
+    <p:extLst>
+      <p:ext uri="{BB962C8B-B14F-4D97-AF65-F5344CB8AC3E}">
+        <p14:creationId xmlns:p14="http://schemas.microsoft.com/office/powerpoint/2010/main" val="532248412"/>
+      </p:ext>
+    </p:extLst>
+  </p:cSld>
+  <p:clrMapOvr>
+    <a:masterClrMapping/>
+  </p:clrMapOvr>
+</p:notes>
+</file>
+
+<file path=ppt/notesSlides/notesSlide2.xml><?xml version="1.0" encoding="utf-8"?>
+<p:notes xmlns:a="http://schemas.openxmlformats.org/drawingml/2006/main" xmlns:r="http://schemas.openxmlformats.org/officeDocument/2006/relationships" xmlns:p="http://schemas.openxmlformats.org/presentationml/2006/main">
+  <p:cSld>
+    <p:spTree>
+      <p:nvGrpSpPr>
+        <p:cNvPr id="1" name=""/>
+        <p:cNvGrpSpPr/>
+        <p:nvPr/>
+      </p:nvGrpSpPr>
+      <p:grpSpPr>
+        <a:xfrm>
+          <a:off x="0" y="0"/>
+          <a:ext cx="0" cy="0"/>
+          <a:chOff x="0" y="0"/>
+          <a:chExt cx="0" cy="0"/>
+        </a:xfrm>
+      </p:grpSpPr>
+      <p:sp>
+        <p:nvSpPr>
+          <p:cNvPr id="2" name="Slide Image Placeholder 1"/>
+          <p:cNvSpPr>
+            <a:spLocks noGrp="1" noRot="1" noChangeAspect="1"/>
+          </p:cNvSpPr>
+          <p:nvPr>
+            <p:ph type="sldImg"/>
+          </p:nvPr>
+        </p:nvSpPr>
+        <p:spPr/>
+      </p:sp>
+      <p:sp>
+        <p:nvSpPr>
+          <p:cNvPr id="3" name="Notes Placeholder 2"/>
+          <p:cNvSpPr>
+            <a:spLocks noGrp="1"/>
+          </p:cNvSpPr>
+          <p:nvPr>
+            <p:ph type="body" idx="1"/>
+          </p:nvPr>
+        </p:nvSpPr>
+        <p:spPr/>
+        <p:txBody>
+          <a:bodyPr/>
+          <a:lstStyle/>
+          <a:p>
+            <a:endParaRPr lang="en-US"/>
+          </a:p>
+        </p:txBody>
+      </p:sp>
+      <p:sp>
+        <p:nvSpPr>
+          <p:cNvPr id="4" name="Slide Number Placeholder 3"/>
+          <p:cNvSpPr>
+            <a:spLocks noGrp="1"/>
+          </p:cNvSpPr>
+          <p:nvPr>
+            <p:ph type="sldNum" sz="quarter" idx="5"/>
+          </p:nvPr>
+        </p:nvSpPr>
+        <p:spPr/>
+        <p:txBody>
+          <a:bodyPr/>
+          <a:lstStyle/>
+          <a:p>
+            <a:fld id="{1C5390F8-990F-354C-A1EF-976A2588A283}" type="slidenum">
+              <a:rPr lang="en-US" smtClean="0"/>
+              <a:t>2</a:t>
+            </a:fld>
+            <a:endParaRPr lang="en-US"/>
+          </a:p>
+        </p:txBody>
+      </p:sp>
+    </p:spTree>
+    <p:extLst>
+      <p:ext uri="{BB962C8B-B14F-4D97-AF65-F5344CB8AC3E}">
+        <p14:creationId xmlns:p14="http://schemas.microsoft.com/office/powerpoint/2010/main" val="3463281526"/>
+      </p:ext>
+    </p:extLst>
+  </p:cSld>
+  <p:clrMapOvr>
+    <a:masterClrMapping/>
+  </p:clrMapOvr>
+</p:notes>
+</file>
+
+<file path=ppt/notesSlides/notesSlide3.xml><?xml version="1.0" encoding="utf-8"?>
+<p:notes xmlns:a="http://schemas.openxmlformats.org/drawingml/2006/main" xmlns:r="http://schemas.openxmlformats.org/officeDocument/2006/relationships" xmlns:p="http://schemas.openxmlformats.org/presentationml/2006/main">
+  <p:cSld>
+    <p:spTree>
+      <p:nvGrpSpPr>
+        <p:cNvPr id="1" name=""/>
+        <p:cNvGrpSpPr/>
+        <p:nvPr/>
+      </p:nvGrpSpPr>
+      <p:grpSpPr>
+        <a:xfrm>
+          <a:off x="0" y="0"/>
+          <a:ext cx="0" cy="0"/>
+          <a:chOff x="0" y="0"/>
+          <a:chExt cx="0" cy="0"/>
+        </a:xfrm>
+      </p:grpSpPr>
+      <p:sp>
+        <p:nvSpPr>
+          <p:cNvPr id="2" name="Slide Image Placeholder 1"/>
+          <p:cNvSpPr>
+            <a:spLocks noGrp="1" noRot="1" noChangeAspect="1"/>
+          </p:cNvSpPr>
+          <p:nvPr>
+            <p:ph type="sldImg"/>
+          </p:nvPr>
+        </p:nvSpPr>
+        <p:spPr/>
+      </p:sp>
+      <p:sp>
+        <p:nvSpPr>
+          <p:cNvPr id="3" name="Notes Placeholder 2"/>
+          <p:cNvSpPr>
+            <a:spLocks noGrp="1"/>
+          </p:cNvSpPr>
+          <p:nvPr>
+            <p:ph type="body" idx="1"/>
+          </p:nvPr>
+        </p:nvSpPr>
+        <p:spPr/>
+        <p:txBody>
+          <a:bodyPr/>
+          <a:lstStyle/>
+          <a:p>
+            <a:endParaRPr lang="en-US"/>
+          </a:p>
+        </p:txBody>
+      </p:sp>
+      <p:sp>
+        <p:nvSpPr>
+          <p:cNvPr id="4" name="Slide Number Placeholder 3"/>
+          <p:cNvSpPr>
+            <a:spLocks noGrp="1"/>
+          </p:cNvSpPr>
+          <p:nvPr>
+            <p:ph type="sldNum" sz="quarter" idx="5"/>
+          </p:nvPr>
+        </p:nvSpPr>
+        <p:spPr/>
+        <p:txBody>
+          <a:bodyPr/>
+          <a:lstStyle/>
+          <a:p>
+            <a:fld id="{1C5390F8-990F-354C-A1EF-976A2588A283}" type="slidenum">
+              <a:rPr lang="en-US" smtClean="0"/>
+              <a:t>3</a:t>
+            </a:fld>
+            <a:endParaRPr lang="en-US"/>
+          </a:p>
+        </p:txBody>
+      </p:sp>
+    </p:spTree>
+    <p:extLst>
+      <p:ext uri="{BB962C8B-B14F-4D97-AF65-F5344CB8AC3E}">
+        <p14:creationId xmlns:p14="http://schemas.microsoft.com/office/powerpoint/2010/main" val="2927645583"/>
+      </p:ext>
+    </p:extLst>
+  </p:cSld>
+  <p:clrMapOvr>
+    <a:masterClrMapping/>
+  </p:clrMapOvr>
+</p:notes>
+</file>
+
+<file path=ppt/notesSlides/notesSlide4.xml><?xml version="1.0" encoding="utf-8"?>
+<p:notes xmlns:a="http://schemas.openxmlformats.org/drawingml/2006/main" xmlns:r="http://schemas.openxmlformats.org/officeDocument/2006/relationships" xmlns:p="http://schemas.openxmlformats.org/presentationml/2006/main">
+  <p:cSld>
+    <p:spTree>
+      <p:nvGrpSpPr>
+        <p:cNvPr id="1" name=""/>
+        <p:cNvGrpSpPr/>
+        <p:nvPr/>
+      </p:nvGrpSpPr>
+      <p:grpSpPr>
+        <a:xfrm>
+          <a:off x="0" y="0"/>
+          <a:ext cx="0" cy="0"/>
+          <a:chOff x="0" y="0"/>
+          <a:chExt cx="0" cy="0"/>
+        </a:xfrm>
+      </p:grpSpPr>
+      <p:sp>
+        <p:nvSpPr>
+          <p:cNvPr id="2" name="Slide Image Placeholder 1"/>
+          <p:cNvSpPr>
+            <a:spLocks noGrp="1" noRot="1" noChangeAspect="1"/>
+          </p:cNvSpPr>
+          <p:nvPr>
+            <p:ph type="sldImg"/>
+          </p:nvPr>
+        </p:nvSpPr>
+        <p:spPr/>
+      </p:sp>
+      <p:sp>
+        <p:nvSpPr>
+          <p:cNvPr id="3" name="Notes Placeholder 2"/>
+          <p:cNvSpPr>
+            <a:spLocks noGrp="1"/>
+          </p:cNvSpPr>
+          <p:nvPr>
+            <p:ph type="body" idx="1"/>
+          </p:nvPr>
+        </p:nvSpPr>
+        <p:spPr/>
+        <p:txBody>
+          <a:bodyPr/>
+          <a:lstStyle/>
+          <a:p>
+            <a:endParaRPr lang="en-US"/>
+          </a:p>
+        </p:txBody>
+      </p:sp>
+      <p:sp>
+        <p:nvSpPr>
+          <p:cNvPr id="4" name="Slide Number Placeholder 3"/>
+          <p:cNvSpPr>
+            <a:spLocks noGrp="1"/>
+          </p:cNvSpPr>
+          <p:nvPr>
+            <p:ph type="sldNum" sz="quarter" idx="5"/>
+          </p:nvPr>
+        </p:nvSpPr>
+        <p:spPr/>
+        <p:txBody>
+          <a:bodyPr/>
+          <a:lstStyle/>
+          <a:p>
+            <a:fld id="{1C5390F8-990F-354C-A1EF-976A2588A283}" type="slidenum">
+              <a:rPr lang="en-US" smtClean="0"/>
+              <a:t>4</a:t>
+            </a:fld>
+            <a:endParaRPr lang="en-US"/>
+          </a:p>
+        </p:txBody>
+      </p:sp>
+    </p:spTree>
+    <p:extLst>
+      <p:ext uri="{BB962C8B-B14F-4D97-AF65-F5344CB8AC3E}">
+        <p14:creationId xmlns:p14="http://schemas.microsoft.com/office/powerpoint/2010/main" val="2863461767"/>
+      </p:ext>
+    </p:extLst>
+  </p:cSld>
+  <p:clrMapOvr>
+    <a:masterClrMapping/>
+  </p:clrMapOvr>
+</p:notes>
+</file>
+
+<file path=ppt/notesSlides/notesSlide5.xml><?xml version="1.0" encoding="utf-8"?>
+<p:notes xmlns:a="http://schemas.openxmlformats.org/drawingml/2006/main" xmlns:r="http://schemas.openxmlformats.org/officeDocument/2006/relationships" xmlns:p="http://schemas.openxmlformats.org/presentationml/2006/main">
+  <p:cSld>
+    <p:spTree>
+      <p:nvGrpSpPr>
+        <p:cNvPr id="1" name=""/>
+        <p:cNvGrpSpPr/>
+        <p:nvPr/>
+      </p:nvGrpSpPr>
+      <p:grpSpPr>
+        <a:xfrm>
+          <a:off x="0" y="0"/>
+          <a:ext cx="0" cy="0"/>
+          <a:chOff x="0" y="0"/>
+          <a:chExt cx="0" cy="0"/>
+        </a:xfrm>
+      </p:grpSpPr>
+      <p:sp>
+        <p:nvSpPr>
+          <p:cNvPr id="2" name="Slide Image Placeholder 1"/>
+          <p:cNvSpPr>
+            <a:spLocks noGrp="1" noRot="1" noChangeAspect="1"/>
+          </p:cNvSpPr>
+          <p:nvPr>
+            <p:ph type="sldImg"/>
+          </p:nvPr>
+        </p:nvSpPr>
+        <p:spPr/>
+      </p:sp>
+      <p:sp>
+        <p:nvSpPr>
+          <p:cNvPr id="3" name="Notes Placeholder 2"/>
+          <p:cNvSpPr>
+            <a:spLocks noGrp="1"/>
+          </p:cNvSpPr>
+          <p:nvPr>
+            <p:ph type="body" idx="1"/>
+          </p:nvPr>
+        </p:nvSpPr>
+        <p:spPr/>
+        <p:txBody>
+          <a:bodyPr/>
+          <a:lstStyle/>
+          <a:p>
+            <a:endParaRPr lang="en-US"/>
+          </a:p>
+        </p:txBody>
+      </p:sp>
+      <p:sp>
+        <p:nvSpPr>
+          <p:cNvPr id="4" name="Slide Number Placeholder 3"/>
+          <p:cNvSpPr>
+            <a:spLocks noGrp="1"/>
+          </p:cNvSpPr>
+          <p:nvPr>
+            <p:ph type="sldNum" sz="quarter" idx="5"/>
+          </p:nvPr>
+        </p:nvSpPr>
+        <p:spPr/>
+        <p:txBody>
+          <a:bodyPr/>
+          <a:lstStyle/>
+          <a:p>
+            <a:fld id="{1C5390F8-990F-354C-A1EF-976A2588A283}" type="slidenum">
+              <a:rPr lang="en-US" smtClean="0"/>
+              <a:t>5</a:t>
+            </a:fld>
+            <a:endParaRPr lang="en-US"/>
+          </a:p>
+        </p:txBody>
+      </p:sp>
+    </p:spTree>
+    <p:extLst>
+      <p:ext uri="{BB962C8B-B14F-4D97-AF65-F5344CB8AC3E}">
+        <p14:creationId xmlns:p14="http://schemas.microsoft.com/office/powerpoint/2010/main" val="1180541383"/>
+      </p:ext>
+    </p:extLst>
+  </p:cSld>
+  <p:clrMapOvr>
+    <a:masterClrMapping/>
+  </p:clrMapOvr>
+</p:notes>
+</file>
+
+<file path=ppt/notesSlides/notesSlide6.xml><?xml version="1.0" encoding="utf-8"?>
+<p:notes xmlns:a="http://schemas.openxmlformats.org/drawingml/2006/main" xmlns:r="http://schemas.openxmlformats.org/officeDocument/2006/relationships" xmlns:p="http://schemas.openxmlformats.org/presentationml/2006/main">
+  <p:cSld>
+    <p:spTree>
+      <p:nvGrpSpPr>
+        <p:cNvPr id="1" name=""/>
+        <p:cNvGrpSpPr/>
+        <p:nvPr/>
+      </p:nvGrpSpPr>
+      <p:grpSpPr>
+        <a:xfrm>
+          <a:off x="0" y="0"/>
+          <a:ext cx="0" cy="0"/>
+          <a:chOff x="0" y="0"/>
+          <a:chExt cx="0" cy="0"/>
+        </a:xfrm>
+      </p:grpSpPr>
+      <p:sp>
+        <p:nvSpPr>
+          <p:cNvPr id="2" name="Slide Image Placeholder 1"/>
+          <p:cNvSpPr>
+            <a:spLocks noGrp="1" noRot="1" noChangeAspect="1"/>
+          </p:cNvSpPr>
+          <p:nvPr>
+            <p:ph type="sldImg"/>
+          </p:nvPr>
+        </p:nvSpPr>
+        <p:spPr/>
+      </p:sp>
+      <p:sp>
+        <p:nvSpPr>
+          <p:cNvPr id="3" name="Notes Placeholder 2"/>
+          <p:cNvSpPr>
+            <a:spLocks noGrp="1"/>
+          </p:cNvSpPr>
+          <p:nvPr>
+            <p:ph type="body" idx="1"/>
+          </p:nvPr>
+        </p:nvSpPr>
+        <p:spPr/>
+        <p:txBody>
+          <a:bodyPr/>
+          <a:lstStyle/>
+          <a:p>
+            <a:endParaRPr lang="en-US"/>
+          </a:p>
+        </p:txBody>
+      </p:sp>
+      <p:sp>
+        <p:nvSpPr>
+          <p:cNvPr id="4" name="Slide Number Placeholder 3"/>
+          <p:cNvSpPr>
+            <a:spLocks noGrp="1"/>
+          </p:cNvSpPr>
+          <p:nvPr>
+            <p:ph type="sldNum" sz="quarter" idx="5"/>
+          </p:nvPr>
+        </p:nvSpPr>
+        <p:spPr/>
+        <p:txBody>
+          <a:bodyPr/>
+          <a:lstStyle/>
+          <a:p>
+            <a:fld id="{1C5390F8-990F-354C-A1EF-976A2588A283}" type="slidenum">
+              <a:rPr lang="en-US" smtClean="0"/>
+              <a:t>6</a:t>
+            </a:fld>
+            <a:endParaRPr lang="en-US"/>
+          </a:p>
+        </p:txBody>
+      </p:sp>
+    </p:spTree>
+    <p:extLst>
+      <p:ext uri="{BB962C8B-B14F-4D97-AF65-F5344CB8AC3E}">
+        <p14:creationId xmlns:p14="http://schemas.microsoft.com/office/powerpoint/2010/main" val="3433593165"/>
+      </p:ext>
+    </p:extLst>
+  </p:cSld>
+  <p:clrMapOvr>
+    <a:masterClrMapping/>
+  </p:clrMapOvr>
+</p:notes>
+</file>
+
+<file path=ppt/notesSlides/notesSlide7.xml><?xml version="1.0" encoding="utf-8"?>
+<p:notes xmlns:a="http://schemas.openxmlformats.org/drawingml/2006/main" xmlns:r="http://schemas.openxmlformats.org/officeDocument/2006/relationships" xmlns:p="http://schemas.openxmlformats.org/presentationml/2006/main">
+  <p:cSld>
+    <p:spTree>
+      <p:nvGrpSpPr>
+        <p:cNvPr id="1" name=""/>
+        <p:cNvGrpSpPr/>
+        <p:nvPr/>
+      </p:nvGrpSpPr>
+      <p:grpSpPr>
+        <a:xfrm>
+          <a:off x="0" y="0"/>
+          <a:ext cx="0" cy="0"/>
+          <a:chOff x="0" y="0"/>
+          <a:chExt cx="0" cy="0"/>
+        </a:xfrm>
+      </p:grpSpPr>
+      <p:sp>
+        <p:nvSpPr>
+          <p:cNvPr id="2" name="Slide Image Placeholder 1"/>
+          <p:cNvSpPr>
+            <a:spLocks noGrp="1" noRot="1" noChangeAspect="1"/>
+          </p:cNvSpPr>
+          <p:nvPr>
+            <p:ph type="sldImg"/>
+          </p:nvPr>
+        </p:nvSpPr>
+        <p:spPr/>
+      </p:sp>
+      <p:sp>
+        <p:nvSpPr>
+          <p:cNvPr id="3" name="Notes Placeholder 2"/>
+          <p:cNvSpPr>
+            <a:spLocks noGrp="1"/>
+          </p:cNvSpPr>
+          <p:nvPr>
+            <p:ph type="body" idx="1"/>
+          </p:nvPr>
+        </p:nvSpPr>
+        <p:spPr/>
+        <p:txBody>
+          <a:bodyPr/>
+          <a:lstStyle/>
+          <a:p>
+            <a:endParaRPr lang="en-US"/>
+          </a:p>
+        </p:txBody>
+      </p:sp>
+      <p:sp>
+        <p:nvSpPr>
+          <p:cNvPr id="4" name="Slide Number Placeholder 3"/>
+          <p:cNvSpPr>
+            <a:spLocks noGrp="1"/>
+          </p:cNvSpPr>
+          <p:nvPr>
+            <p:ph type="sldNum" sz="quarter" idx="5"/>
+          </p:nvPr>
+        </p:nvSpPr>
+        <p:spPr/>
+        <p:txBody>
+          <a:bodyPr/>
+          <a:lstStyle/>
+          <a:p>
+            <a:fld id="{1C5390F8-990F-354C-A1EF-976A2588A283}" type="slidenum">
+              <a:rPr lang="en-US" smtClean="0"/>
+              <a:t>7</a:t>
+            </a:fld>
+            <a:endParaRPr lang="en-US"/>
+          </a:p>
+        </p:txBody>
+      </p:sp>
+    </p:spTree>
+    <p:extLst>
+      <p:ext uri="{BB962C8B-B14F-4D97-AF65-F5344CB8AC3E}">
+        <p14:creationId xmlns:p14="http://schemas.microsoft.com/office/powerpoint/2010/main" val="1567643393"/>
+      </p:ext>
+    </p:extLst>
+  </p:cSld>
+  <p:clrMapOvr>
+    <a:masterClrMapping/>
+  </p:clrMapOvr>
+</p:notes>
+</file>
+
+<file path=ppt/notesSlides/notesSlide8.xml><?xml version="1.0" encoding="utf-8"?>
+<p:notes xmlns:a="http://schemas.openxmlformats.org/drawingml/2006/main" xmlns:r="http://schemas.openxmlformats.org/officeDocument/2006/relationships" xmlns:p="http://schemas.openxmlformats.org/presentationml/2006/main">
+  <p:cSld>
+    <p:spTree>
+      <p:nvGrpSpPr>
+        <p:cNvPr id="1" name=""/>
+        <p:cNvGrpSpPr/>
+        <p:nvPr/>
+      </p:nvGrpSpPr>
+      <p:grpSpPr>
+        <a:xfrm>
+          <a:off x="0" y="0"/>
+          <a:ext cx="0" cy="0"/>
+          <a:chOff x="0" y="0"/>
+          <a:chExt cx="0" cy="0"/>
+        </a:xfrm>
+      </p:grpSpPr>
+      <p:sp>
+        <p:nvSpPr>
+          <p:cNvPr id="2" name="Slide Image Placeholder 1"/>
+          <p:cNvSpPr>
+            <a:spLocks noGrp="1" noRot="1" noChangeAspect="1"/>
+          </p:cNvSpPr>
+          <p:nvPr>
+            <p:ph type="sldImg"/>
+          </p:nvPr>
+        </p:nvSpPr>
+        <p:spPr/>
+      </p:sp>
+      <p:sp>
+        <p:nvSpPr>
+          <p:cNvPr id="3" name="Notes Placeholder 2"/>
+          <p:cNvSpPr>
+            <a:spLocks noGrp="1"/>
+          </p:cNvSpPr>
+          <p:nvPr>
+            <p:ph type="body" idx="1"/>
+          </p:nvPr>
+        </p:nvSpPr>
+        <p:spPr/>
+        <p:txBody>
+          <a:bodyPr/>
+          <a:lstStyle/>
+          <a:p>
+            <a:endParaRPr lang="en-US"/>
+          </a:p>
+        </p:txBody>
+      </p:sp>
+      <p:sp>
+        <p:nvSpPr>
+          <p:cNvPr id="4" name="Slide Number Placeholder 3"/>
+          <p:cNvSpPr>
+            <a:spLocks noGrp="1"/>
+          </p:cNvSpPr>
+          <p:nvPr>
+            <p:ph type="sldNum" sz="quarter" idx="5"/>
+          </p:nvPr>
+        </p:nvSpPr>
+        <p:spPr/>
+        <p:txBody>
+          <a:bodyPr/>
+          <a:lstStyle/>
+          <a:p>
+            <a:fld id="{1C5390F8-990F-354C-A1EF-976A2588A283}" type="slidenum">
+              <a:rPr lang="en-US" smtClean="0"/>
+              <a:t>8</a:t>
+            </a:fld>
+            <a:endParaRPr lang="en-US"/>
+          </a:p>
+        </p:txBody>
+      </p:sp>
+    </p:spTree>
+    <p:extLst>
+      <p:ext uri="{BB962C8B-B14F-4D97-AF65-F5344CB8AC3E}">
+        <p14:creationId xmlns:p14="http://schemas.microsoft.com/office/powerpoint/2010/main" val="3154662040"/>
+      </p:ext>
+    </p:extLst>
+  </p:cSld>
+  <p:clrMapOvr>
+    <a:masterClrMapping/>
+  </p:clrMapOvr>
+</p:notes>
+</file>
+
+<file path=ppt/notesSlides/notesSlide9.xml><?xml version="1.0" encoding="utf-8"?>
+<p:notes xmlns:a="http://schemas.openxmlformats.org/drawingml/2006/main" xmlns:r="http://schemas.openxmlformats.org/officeDocument/2006/relationships" xmlns:p="http://schemas.openxmlformats.org/presentationml/2006/main">
+  <p:cSld>
+    <p:spTree>
+      <p:nvGrpSpPr>
+        <p:cNvPr id="1" name=""/>
+        <p:cNvGrpSpPr/>
+        <p:nvPr/>
+      </p:nvGrpSpPr>
+      <p:grpSpPr>
+        <a:xfrm>
+          <a:off x="0" y="0"/>
+          <a:ext cx="0" cy="0"/>
+          <a:chOff x="0" y="0"/>
+          <a:chExt cx="0" cy="0"/>
+        </a:xfrm>
+      </p:grpSpPr>
+      <p:sp>
+        <p:nvSpPr>
+          <p:cNvPr id="2" name="Slide Image Placeholder 1"/>
+          <p:cNvSpPr>
+            <a:spLocks noGrp="1" noRot="1" noChangeAspect="1"/>
+          </p:cNvSpPr>
+          <p:nvPr>
+            <p:ph type="sldImg"/>
+          </p:nvPr>
+        </p:nvSpPr>
+        <p:spPr/>
+      </p:sp>
+      <p:sp>
+        <p:nvSpPr>
+          <p:cNvPr id="3" name="Notes Placeholder 2"/>
+          <p:cNvSpPr>
+            <a:spLocks noGrp="1"/>
+          </p:cNvSpPr>
+          <p:nvPr>
+            <p:ph type="body" idx="1"/>
+          </p:nvPr>
+        </p:nvSpPr>
+        <p:spPr/>
+        <p:txBody>
+          <a:bodyPr/>
+          <a:lstStyle/>
+          <a:p>
+            <a:endParaRPr lang="en-US"/>
+          </a:p>
+        </p:txBody>
+      </p:sp>
+      <p:sp>
+        <p:nvSpPr>
+          <p:cNvPr id="4" name="Slide Number Placeholder 3"/>
+          <p:cNvSpPr>
+            <a:spLocks noGrp="1"/>
+          </p:cNvSpPr>
+          <p:nvPr>
+            <p:ph type="sldNum" sz="quarter" idx="5"/>
+          </p:nvPr>
+        </p:nvSpPr>
+        <p:spPr/>
+        <p:txBody>
+          <a:bodyPr/>
+          <a:lstStyle/>
+          <a:p>
+            <a:fld id="{1C5390F8-990F-354C-A1EF-976A2588A283}" type="slidenum">
+              <a:rPr lang="en-US" smtClean="0"/>
+              <a:t>9</a:t>
+            </a:fld>
+            <a:endParaRPr lang="en-US"/>
+          </a:p>
+        </p:txBody>
+      </p:sp>
+    </p:spTree>
+    <p:extLst>
+      <p:ext uri="{BB962C8B-B14F-4D97-AF65-F5344CB8AC3E}">
+        <p14:creationId xmlns:p14="http://schemas.microsoft.com/office/powerpoint/2010/main" val="3299157577"/>
+      </p:ext>
+    </p:extLst>
+  </p:cSld>
+  <p:clrMapOvr>
+    <a:masterClrMapping/>
+  </p:clrMapOvr>
+</p:notes>
 </file>
 
 <file path=ppt/slideLayouts/slideLayout1.xml><?xml version="1.0" encoding="utf-8"?>
@@ -3488,7 +4931,7 @@
     <p:bg>
       <p:bgPr>
         <a:blipFill dpi="0" rotWithShape="1">
-          <a:blip r:embed="rId2">
+          <a:blip r:embed="rId3">
             <a:lum/>
           </a:blip>
           <a:srcRect/>
@@ -3547,7 +4990,7 @@
                   <a:schemeClr val="bg1"/>
                 </a:solidFill>
               </a:rPr>
-              <a:t>Presented by Steven Mann, LLC</a:t>
+              <a:t>Presented by Rohit Channe, LLC</a:t>
             </a:r>
           </a:p>
         </p:txBody>
@@ -3584,10 +5027,10 @@
       </p:grpSpPr>
       <p:pic>
         <p:nvPicPr>
-          <p:cNvPr id="5" name="Picture 4">
-            <a:extLst>
-              <a:ext uri="{FF2B5EF4-FFF2-40B4-BE49-F238E27FC236}">
-                <a16:creationId xmlns:a16="http://schemas.microsoft.com/office/drawing/2014/main" id="{4E5814EF-3C21-49AC-AF9D-661860979B7E}"/>
+          <p:cNvPr id="6" name="Picture 5">
+            <a:extLst>
+              <a:ext uri="{FF2B5EF4-FFF2-40B4-BE49-F238E27FC236}">
+                <a16:creationId xmlns:a16="http://schemas.microsoft.com/office/drawing/2014/main" id="{AC676C75-2FC7-493E-BE63-72D741D848FB}"/>
               </a:ext>
             </a:extLst>
           </p:cNvPr>
@@ -3597,7 +5040,7 @@
           <p:nvPr/>
         </p:nvPicPr>
         <p:blipFill>
-          <a:blip r:embed="rId2"/>
+          <a:blip r:embed="rId3"/>
           <a:stretch>
             <a:fillRect/>
           </a:stretch>
@@ -3615,7 +5058,7 @@
     </p:spTree>
     <p:extLst>
       <p:ext uri="{BB962C8B-B14F-4D97-AF65-F5344CB8AC3E}">
-        <p14:creationId xmlns:p14="http://schemas.microsoft.com/office/powerpoint/2010/main" val="1816300937"/>
+        <p14:creationId xmlns:p14="http://schemas.microsoft.com/office/powerpoint/2010/main" val="923379549"/>
       </p:ext>
     </p:extLst>
   </p:cSld>
@@ -3644,10 +5087,10 @@
       </p:grpSpPr>
       <p:pic>
         <p:nvPicPr>
-          <p:cNvPr id="6" name="Picture 5">
-            <a:extLst>
-              <a:ext uri="{FF2B5EF4-FFF2-40B4-BE49-F238E27FC236}">
-                <a16:creationId xmlns:a16="http://schemas.microsoft.com/office/drawing/2014/main" id="{AC676C75-2FC7-493E-BE63-72D741D848FB}"/>
+          <p:cNvPr id="4" name="Picture 3">
+            <a:extLst>
+              <a:ext uri="{FF2B5EF4-FFF2-40B4-BE49-F238E27FC236}">
+                <a16:creationId xmlns:a16="http://schemas.microsoft.com/office/drawing/2014/main" id="{51DB055B-A815-43B5-9A17-7BB6269AEA01}"/>
               </a:ext>
             </a:extLst>
           </p:cNvPr>
@@ -3657,7 +5100,7 @@
           <p:nvPr/>
         </p:nvPicPr>
         <p:blipFill>
-          <a:blip r:embed="rId2"/>
+          <a:blip r:embed="rId3"/>
           <a:stretch>
             <a:fillRect/>
           </a:stretch>
@@ -3665,7 +5108,7 @@
         <p:spPr>
           <a:xfrm>
             <a:off x="0" y="0"/>
-            <a:ext cx="12192000" cy="6858000"/>
+            <a:ext cx="11915480" cy="6857999"/>
           </a:xfrm>
           <a:prstGeom prst="rect">
             <a:avLst/>
@@ -3675,7 +5118,7 @@
     </p:spTree>
     <p:extLst>
       <p:ext uri="{BB962C8B-B14F-4D97-AF65-F5344CB8AC3E}">
-        <p14:creationId xmlns:p14="http://schemas.microsoft.com/office/powerpoint/2010/main" val="923379549"/>
+        <p14:creationId xmlns:p14="http://schemas.microsoft.com/office/powerpoint/2010/main" val="1448942745"/>
       </p:ext>
     </p:extLst>
   </p:cSld>
@@ -3707,7 +5150,7 @@
           <p:cNvPr id="4" name="Picture 3">
             <a:extLst>
               <a:ext uri="{FF2B5EF4-FFF2-40B4-BE49-F238E27FC236}">
-                <a16:creationId xmlns:a16="http://schemas.microsoft.com/office/drawing/2014/main" id="{51DB055B-A815-43B5-9A17-7BB6269AEA01}"/>
+                <a16:creationId xmlns:a16="http://schemas.microsoft.com/office/drawing/2014/main" id="{C9DD5D59-3030-A549-B736-AC7BD0EB69D2}"/>
               </a:ext>
             </a:extLst>
           </p:cNvPr>
@@ -3717,25 +5160,120 @@
           <p:nvPr/>
         </p:nvPicPr>
         <p:blipFill>
-          <a:blip r:embed="rId2"/>
+          <a:blip r:embed="rId3"/>
           <a:stretch>
             <a:fillRect/>
           </a:stretch>
         </p:blipFill>
         <p:spPr>
           <a:xfrm>
-            <a:off x="0" y="0"/>
-            <a:ext cx="11915480" cy="6857999"/>
+            <a:off x="569440" y="1255754"/>
+            <a:ext cx="3866635" cy="5095617"/>
           </a:xfrm>
           <a:prstGeom prst="rect">
             <a:avLst/>
           </a:prstGeom>
+          <a:ln>
+            <a:solidFill>
+              <a:schemeClr val="accent1"/>
+            </a:solidFill>
+          </a:ln>
         </p:spPr>
       </p:pic>
+      <p:sp>
+        <p:nvSpPr>
+          <p:cNvPr id="5" name="TextBox 4">
+            <a:extLst>
+              <a:ext uri="{FF2B5EF4-FFF2-40B4-BE49-F238E27FC236}">
+                <a16:creationId xmlns:a16="http://schemas.microsoft.com/office/drawing/2014/main" id="{CFBC90BE-7602-0741-9251-C1A7C724B7A7}"/>
+              </a:ext>
+            </a:extLst>
+          </p:cNvPr>
+          <p:cNvSpPr txBox="1"/>
+          <p:nvPr/>
+        </p:nvSpPr>
+        <p:spPr>
+          <a:xfrm>
+            <a:off x="556054" y="370703"/>
+            <a:ext cx="7092778" cy="369332"/>
+          </a:xfrm>
+          <a:prstGeom prst="rect">
+            <a:avLst/>
+          </a:prstGeom>
+          <a:noFill/>
+          <a:ln>
+            <a:solidFill>
+              <a:schemeClr val="accent1"/>
+            </a:solidFill>
+          </a:ln>
+        </p:spPr>
+        <p:txBody>
+          <a:bodyPr wrap="square" rtlCol="0">
+            <a:spAutoFit/>
+          </a:bodyPr>
+          <a:lstStyle/>
+          <a:p>
+            <a:r>
+              <a:rPr lang="en-US" dirty="0"/>
+              <a:t>Prediction Stats for classifying ALE vs IPA</a:t>
+            </a:r>
+          </a:p>
+        </p:txBody>
+      </p:sp>
+      <p:sp>
+        <p:nvSpPr>
+          <p:cNvPr id="6" name="TextBox 5">
+            <a:extLst>
+              <a:ext uri="{FF2B5EF4-FFF2-40B4-BE49-F238E27FC236}">
+                <a16:creationId xmlns:a16="http://schemas.microsoft.com/office/drawing/2014/main" id="{05627401-4A69-9F4A-880D-4BE19E463BE2}"/>
+              </a:ext>
+            </a:extLst>
+          </p:cNvPr>
+          <p:cNvSpPr txBox="1"/>
+          <p:nvPr/>
+        </p:nvSpPr>
+        <p:spPr>
+          <a:xfrm>
+            <a:off x="5820032" y="1804086"/>
+            <a:ext cx="5053914" cy="923330"/>
+          </a:xfrm>
+          <a:prstGeom prst="rect">
+            <a:avLst/>
+          </a:prstGeom>
+          <a:noFill/>
+          <a:ln>
+            <a:solidFill>
+              <a:schemeClr val="accent1"/>
+            </a:solidFill>
+          </a:ln>
+        </p:spPr>
+        <p:txBody>
+          <a:bodyPr wrap="square" rtlCol="0">
+            <a:spAutoFit/>
+          </a:bodyPr>
+          <a:lstStyle/>
+          <a:p>
+            <a:r>
+              <a:rPr lang="en-US" dirty="0"/>
+              <a:t>Model generated can help us classify a beer as either ALE or IPA based on Bitterness levels and Alcohol content with </a:t>
+            </a:r>
+            <a:r>
+              <a:rPr lang="en-US" dirty="0">
+                <a:solidFill>
+                  <a:schemeClr val="accent1">
+                    <a:lumMod val="75000"/>
+                  </a:schemeClr>
+                </a:solidFill>
+              </a:rPr>
+              <a:t>86 % accuracy</a:t>
+            </a:r>
+          </a:p>
+        </p:txBody>
+      </p:sp>
     </p:spTree>
     <p:extLst>
       <p:ext uri="{BB962C8B-B14F-4D97-AF65-F5344CB8AC3E}">
-        <p14:creationId xmlns:p14="http://schemas.microsoft.com/office/powerpoint/2010/main" val="1448942745"/>
+        <p14:creationId xmlns:p14="http://schemas.microsoft.com/office/powerpoint/2010/main" val="3874369188"/>
       </p:ext>
     </p:extLst>
   </p:cSld>
@@ -3767,7 +5305,7 @@
           <p:cNvPr id="4" name="Picture 3">
             <a:extLst>
               <a:ext uri="{FF2B5EF4-FFF2-40B4-BE49-F238E27FC236}">
-                <a16:creationId xmlns:a16="http://schemas.microsoft.com/office/drawing/2014/main" id="{C9DD5D59-3030-A549-B736-AC7BD0EB69D2}"/>
+                <a16:creationId xmlns:a16="http://schemas.microsoft.com/office/drawing/2014/main" id="{B2D8C1E9-8AEB-5749-95D9-128A05354785}"/>
               </a:ext>
             </a:extLst>
           </p:cNvPr>
@@ -3777,162 +5315,7 @@
           <p:nvPr/>
         </p:nvPicPr>
         <p:blipFill>
-          <a:blip r:embed="rId2"/>
-          <a:stretch>
-            <a:fillRect/>
-          </a:stretch>
-        </p:blipFill>
-        <p:spPr>
-          <a:xfrm>
-            <a:off x="569440" y="1255754"/>
-            <a:ext cx="3866635" cy="5095617"/>
-          </a:xfrm>
-          <a:prstGeom prst="rect">
-            <a:avLst/>
-          </a:prstGeom>
-          <a:ln>
-            <a:solidFill>
-              <a:schemeClr val="accent1"/>
-            </a:solidFill>
-          </a:ln>
-        </p:spPr>
-      </p:pic>
-      <p:sp>
-        <p:nvSpPr>
-          <p:cNvPr id="5" name="TextBox 4">
-            <a:extLst>
-              <a:ext uri="{FF2B5EF4-FFF2-40B4-BE49-F238E27FC236}">
-                <a16:creationId xmlns:a16="http://schemas.microsoft.com/office/drawing/2014/main" id="{CFBC90BE-7602-0741-9251-C1A7C724B7A7}"/>
-              </a:ext>
-            </a:extLst>
-          </p:cNvPr>
-          <p:cNvSpPr txBox="1"/>
-          <p:nvPr/>
-        </p:nvSpPr>
-        <p:spPr>
-          <a:xfrm>
-            <a:off x="556054" y="370703"/>
-            <a:ext cx="7092778" cy="369332"/>
-          </a:xfrm>
-          <a:prstGeom prst="rect">
-            <a:avLst/>
-          </a:prstGeom>
-          <a:noFill/>
-          <a:ln>
-            <a:solidFill>
-              <a:schemeClr val="accent1"/>
-            </a:solidFill>
-          </a:ln>
-        </p:spPr>
-        <p:txBody>
-          <a:bodyPr wrap="square" rtlCol="0">
-            <a:spAutoFit/>
-          </a:bodyPr>
-          <a:lstStyle/>
-          <a:p>
-            <a:r>
-              <a:rPr lang="en-US" dirty="0"/>
-              <a:t>Prediction Stats for classifying ALE vs IPA</a:t>
-            </a:r>
-          </a:p>
-        </p:txBody>
-      </p:sp>
-      <p:sp>
-        <p:nvSpPr>
-          <p:cNvPr id="6" name="TextBox 5">
-            <a:extLst>
-              <a:ext uri="{FF2B5EF4-FFF2-40B4-BE49-F238E27FC236}">
-                <a16:creationId xmlns:a16="http://schemas.microsoft.com/office/drawing/2014/main" id="{05627401-4A69-9F4A-880D-4BE19E463BE2}"/>
-              </a:ext>
-            </a:extLst>
-          </p:cNvPr>
-          <p:cNvSpPr txBox="1"/>
-          <p:nvPr/>
-        </p:nvSpPr>
-        <p:spPr>
-          <a:xfrm>
-            <a:off x="5820032" y="1804086"/>
-            <a:ext cx="5053914" cy="923330"/>
-          </a:xfrm>
-          <a:prstGeom prst="rect">
-            <a:avLst/>
-          </a:prstGeom>
-          <a:noFill/>
-          <a:ln>
-            <a:solidFill>
-              <a:schemeClr val="accent1"/>
-            </a:solidFill>
-          </a:ln>
-        </p:spPr>
-        <p:txBody>
-          <a:bodyPr wrap="square" rtlCol="0">
-            <a:spAutoFit/>
-          </a:bodyPr>
-          <a:lstStyle/>
-          <a:p>
-            <a:r>
-              <a:rPr lang="en-US" dirty="0"/>
-              <a:t>Model generated can help us classify a beer as either ALE or IPA based on Bitterness levels and Alcohol content with </a:t>
-            </a:r>
-            <a:r>
-              <a:rPr lang="en-US" dirty="0">
-                <a:solidFill>
-                  <a:schemeClr val="accent1">
-                    <a:lumMod val="75000"/>
-                  </a:schemeClr>
-                </a:solidFill>
-              </a:rPr>
-              <a:t>86 % accuracy</a:t>
-            </a:r>
-          </a:p>
-        </p:txBody>
-      </p:sp>
-    </p:spTree>
-    <p:extLst>
-      <p:ext uri="{BB962C8B-B14F-4D97-AF65-F5344CB8AC3E}">
-        <p14:creationId xmlns:p14="http://schemas.microsoft.com/office/powerpoint/2010/main" val="3874369188"/>
-      </p:ext>
-    </p:extLst>
-  </p:cSld>
-  <p:clrMapOvr>
-    <a:masterClrMapping/>
-  </p:clrMapOvr>
-</p:sld>
-</file>
-
-<file path=ppt/slides/slide14.xml><?xml version="1.0" encoding="utf-8"?>
-<p:sld xmlns:a="http://schemas.openxmlformats.org/drawingml/2006/main" xmlns:r="http://schemas.openxmlformats.org/officeDocument/2006/relationships" xmlns:p="http://schemas.openxmlformats.org/presentationml/2006/main">
-  <p:cSld>
-    <p:spTree>
-      <p:nvGrpSpPr>
-        <p:cNvPr id="1" name=""/>
-        <p:cNvGrpSpPr/>
-        <p:nvPr/>
-      </p:nvGrpSpPr>
-      <p:grpSpPr>
-        <a:xfrm>
-          <a:off x="0" y="0"/>
-          <a:ext cx="0" cy="0"/>
-          <a:chOff x="0" y="0"/>
-          <a:chExt cx="0" cy="0"/>
-        </a:xfrm>
-      </p:grpSpPr>
-      <p:pic>
-        <p:nvPicPr>
-          <p:cNvPr id="4" name="Picture 3">
-            <a:extLst>
-              <a:ext uri="{FF2B5EF4-FFF2-40B4-BE49-F238E27FC236}">
-                <a16:creationId xmlns:a16="http://schemas.microsoft.com/office/drawing/2014/main" id="{B2D8C1E9-8AEB-5749-95D9-128A05354785}"/>
-              </a:ext>
-            </a:extLst>
-          </p:cNvPr>
-          <p:cNvPicPr>
-            <a:picLocks noChangeAspect="1"/>
-          </p:cNvPicPr>
-          <p:nvPr/>
-        </p:nvPicPr>
-        <p:blipFill>
-          <a:blip r:embed="rId2"/>
+          <a:blip r:embed="rId3"/>
           <a:stretch>
             <a:fillRect/>
           </a:stretch>
@@ -3992,7 +5375,7 @@
           <p:nvPr/>
         </p:nvPicPr>
         <p:blipFill rotWithShape="1">
-          <a:blip r:embed="rId2"/>
+          <a:blip r:embed="rId3"/>
           <a:srcRect l="7685" r="5000" b="7866"/>
           <a:stretch/>
         </p:blipFill>
@@ -4051,7 +5434,7 @@
           <p:nvPr/>
         </p:nvPicPr>
         <p:blipFill>
-          <a:blip r:embed="rId2"/>
+          <a:blip r:embed="rId3"/>
           <a:stretch>
             <a:fillRect/>
           </a:stretch>
@@ -4101,7 +5484,7 @@
           <p:cNvPr id="2" name="Picture 1">
             <a:extLst>
               <a:ext uri="{FF2B5EF4-FFF2-40B4-BE49-F238E27FC236}">
-                <a16:creationId xmlns:a16="http://schemas.microsoft.com/office/drawing/2014/main" id="{AF3F2FEC-52FE-49C1-B9F9-D478EF4A4363}"/>
+                <a16:creationId xmlns:a16="http://schemas.microsoft.com/office/drawing/2014/main" id="{B2BAF9B1-C2F0-4D0D-A903-D951C570E4A1}"/>
               </a:ext>
             </a:extLst>
           </p:cNvPr>
@@ -4111,7 +5494,7 @@
           <p:nvPr/>
         </p:nvPicPr>
         <p:blipFill>
-          <a:blip r:embed="rId2"/>
+          <a:blip r:embed="rId3"/>
           <a:stretch>
             <a:fillRect/>
           </a:stretch>
@@ -4129,7 +5512,7 @@
     </p:spTree>
     <p:extLst>
       <p:ext uri="{BB962C8B-B14F-4D97-AF65-F5344CB8AC3E}">
-        <p14:creationId xmlns:p14="http://schemas.microsoft.com/office/powerpoint/2010/main" val="2302153381"/>
+        <p14:creationId xmlns:p14="http://schemas.microsoft.com/office/powerpoint/2010/main" val="2936301736"/>
       </p:ext>
     </p:extLst>
   </p:cSld>
@@ -4158,38 +5541,165 @@
       </p:grpSpPr>
       <p:pic>
         <p:nvPicPr>
-          <p:cNvPr id="2" name="Picture 1">
-            <a:extLst>
-              <a:ext uri="{FF2B5EF4-FFF2-40B4-BE49-F238E27FC236}">
-                <a16:creationId xmlns:a16="http://schemas.microsoft.com/office/drawing/2014/main" id="{B2BAF9B1-C2F0-4D0D-A903-D951C570E4A1}"/>
+          <p:cNvPr id="3074" name="Picture 2">
+            <a:extLst>
+              <a:ext uri="{FF2B5EF4-FFF2-40B4-BE49-F238E27FC236}">
+                <a16:creationId xmlns:a16="http://schemas.microsoft.com/office/drawing/2014/main" id="{0A2D3180-3F89-4C14-AB08-0E0FBBC33863}"/>
               </a:ext>
             </a:extLst>
           </p:cNvPr>
           <p:cNvPicPr>
-            <a:picLocks noChangeAspect="1"/>
+            <a:picLocks noChangeAspect="1" noChangeArrowheads="1"/>
           </p:cNvPicPr>
           <p:nvPr/>
         </p:nvPicPr>
         <p:blipFill>
-          <a:blip r:embed="rId2"/>
+          <a:blip r:embed="rId3">
+            <a:extLst>
+              <a:ext uri="{28A0092B-C50C-407E-A947-70E740481C1C}">
+                <a14:useLocalDpi xmlns:a14="http://schemas.microsoft.com/office/drawing/2010/main" val="0"/>
+              </a:ext>
+            </a:extLst>
+          </a:blip>
+          <a:srcRect/>
           <a:stretch>
             <a:fillRect/>
           </a:stretch>
         </p:blipFill>
+        <p:spPr bwMode="auto">
+          <a:xfrm>
+            <a:off x="-1" y="-1"/>
+            <a:ext cx="6783355" cy="6783355"/>
+          </a:xfrm>
+          <a:prstGeom prst="rect">
+            <a:avLst/>
+          </a:prstGeom>
+          <a:noFill/>
+          <a:extLst>
+            <a:ext uri="{909E8E84-426E-40DD-AFC4-6F175D3DCCD1}">
+              <a14:hiddenFill xmlns:a14="http://schemas.microsoft.com/office/drawing/2010/main">
+                <a:solidFill>
+                  <a:srgbClr val="FFFFFF"/>
+                </a:solidFill>
+              </a14:hiddenFill>
+            </a:ext>
+          </a:extLst>
+        </p:spPr>
+      </p:pic>
+      <p:sp>
+        <p:nvSpPr>
+          <p:cNvPr id="4" name="Rectangle 3">
+            <a:extLst>
+              <a:ext uri="{FF2B5EF4-FFF2-40B4-BE49-F238E27FC236}">
+                <a16:creationId xmlns:a16="http://schemas.microsoft.com/office/drawing/2014/main" id="{6A5A49BB-22D3-4BEC-ABB7-AF58A5FF3F40}"/>
+              </a:ext>
+            </a:extLst>
+          </p:cNvPr>
+          <p:cNvSpPr/>
+          <p:nvPr/>
+        </p:nvSpPr>
         <p:spPr>
           <a:xfrm>
-            <a:off x="0" y="0"/>
-            <a:ext cx="12192000" cy="6858000"/>
+            <a:off x="7377403" y="1506985"/>
+            <a:ext cx="3707364" cy="4791055"/>
           </a:xfrm>
           <a:prstGeom prst="rect">
             <a:avLst/>
           </a:prstGeom>
         </p:spPr>
-      </p:pic>
+        <p:txBody>
+          <a:bodyPr wrap="square">
+            <a:spAutoFit/>
+          </a:bodyPr>
+          <a:lstStyle/>
+          <a:p>
+            <a:pPr algn="ctr">
+              <a:spcAft>
+                <a:spcPts val="1600"/>
+              </a:spcAft>
+            </a:pPr>
+            <a:r>
+              <a:rPr lang="en-US" sz="3600" dirty="0">
+                <a:solidFill>
+                  <a:srgbClr val="000000"/>
+                </a:solidFill>
+                <a:latin typeface="Arial" panose="020B0604020202020204" pitchFamily="34" charset="0"/>
+              </a:rPr>
+              <a:t>Max IBU: 138</a:t>
+            </a:r>
+            <a:endParaRPr lang="en-US" sz="3600" b="0" dirty="0">
+              <a:effectLst/>
+            </a:endParaRPr>
+          </a:p>
+          <a:p>
+            <a:pPr algn="ctr">
+              <a:spcAft>
+                <a:spcPts val="1600"/>
+              </a:spcAft>
+            </a:pPr>
+            <a:r>
+              <a:rPr lang="en-US" sz="3600" dirty="0">
+                <a:solidFill>
+                  <a:srgbClr val="000000"/>
+                </a:solidFill>
+                <a:latin typeface="Arial" panose="020B0604020202020204" pitchFamily="34" charset="0"/>
+              </a:rPr>
+              <a:t>Bitter Bitch Imperial IPA</a:t>
+            </a:r>
+            <a:endParaRPr lang="en-US" sz="3600" b="0" dirty="0">
+              <a:effectLst/>
+            </a:endParaRPr>
+          </a:p>
+          <a:p>
+            <a:pPr algn="ctr">
+              <a:spcAft>
+                <a:spcPts val="1600"/>
+              </a:spcAft>
+            </a:pPr>
+            <a:r>
+              <a:rPr lang="en-US" sz="3600" dirty="0">
+                <a:solidFill>
+                  <a:srgbClr val="000000"/>
+                </a:solidFill>
+                <a:latin typeface="Arial" panose="020B0604020202020204" pitchFamily="34" charset="0"/>
+              </a:rPr>
+              <a:t>Astoria Brewing Company</a:t>
+            </a:r>
+            <a:endParaRPr lang="en-US" sz="3600" b="0" dirty="0">
+              <a:effectLst/>
+            </a:endParaRPr>
+          </a:p>
+          <a:p>
+            <a:pPr algn="ctr">
+              <a:spcAft>
+                <a:spcPts val="1600"/>
+              </a:spcAft>
+            </a:pPr>
+            <a:r>
+              <a:rPr lang="en-US" sz="3600" dirty="0">
+                <a:solidFill>
+                  <a:srgbClr val="000000"/>
+                </a:solidFill>
+                <a:latin typeface="Arial" panose="020B0604020202020204" pitchFamily="34" charset="0"/>
+              </a:rPr>
+              <a:t>Astoria, Oregon</a:t>
+            </a:r>
+            <a:endParaRPr lang="en-US" sz="3600" b="0" dirty="0">
+              <a:effectLst/>
+            </a:endParaRPr>
+          </a:p>
+          <a:p>
+            <a:br>
+              <a:rPr lang="en-US" dirty="0"/>
+            </a:br>
+            <a:endParaRPr lang="en-US" dirty="0"/>
+          </a:p>
+        </p:txBody>
+      </p:sp>
     </p:spTree>
     <p:extLst>
       <p:ext uri="{BB962C8B-B14F-4D97-AF65-F5344CB8AC3E}">
-        <p14:creationId xmlns:p14="http://schemas.microsoft.com/office/powerpoint/2010/main" val="2936301736"/>
+        <p14:creationId xmlns:p14="http://schemas.microsoft.com/office/powerpoint/2010/main" val="4058059174"/>
       </p:ext>
     </p:extLst>
   </p:cSld>
@@ -4218,10 +5728,10 @@
       </p:grpSpPr>
       <p:pic>
         <p:nvPicPr>
-          <p:cNvPr id="3074" name="Picture 2">
-            <a:extLst>
-              <a:ext uri="{FF2B5EF4-FFF2-40B4-BE49-F238E27FC236}">
-                <a16:creationId xmlns:a16="http://schemas.microsoft.com/office/drawing/2014/main" id="{0A2D3180-3F89-4C14-AB08-0E0FBBC33863}"/>
+          <p:cNvPr id="4098" name="Picture 2">
+            <a:extLst>
+              <a:ext uri="{FF2B5EF4-FFF2-40B4-BE49-F238E27FC236}">
+                <a16:creationId xmlns:a16="http://schemas.microsoft.com/office/drawing/2014/main" id="{26B7E6E8-3A96-434A-864C-A628016AACD1}"/>
               </a:ext>
             </a:extLst>
           </p:cNvPr>
@@ -4231,7 +5741,7 @@
           <p:nvPr/>
         </p:nvPicPr>
         <p:blipFill>
-          <a:blip r:embed="rId2">
+          <a:blip r:embed="rId3">
             <a:extLst>
               <a:ext uri="{28A0092B-C50C-407E-A947-70E740481C1C}">
                 <a14:useLocalDpi xmlns:a14="http://schemas.microsoft.com/office/drawing/2010/main" val="0"/>
@@ -4245,8 +5755,8 @@
         </p:blipFill>
         <p:spPr bwMode="auto">
           <a:xfrm>
-            <a:off x="-1" y="-1"/>
-            <a:ext cx="6783355" cy="6783355"/>
+            <a:off x="0" y="0"/>
+            <a:ext cx="2948940" cy="6858000"/>
           </a:xfrm>
           <a:prstGeom prst="rect">
             <a:avLst/>
@@ -4268,7 +5778,7 @@
           <p:cNvPr id="4" name="Rectangle 3">
             <a:extLst>
               <a:ext uri="{FF2B5EF4-FFF2-40B4-BE49-F238E27FC236}">
-                <a16:creationId xmlns:a16="http://schemas.microsoft.com/office/drawing/2014/main" id="{6A5A49BB-22D3-4BEC-ABB7-AF58A5FF3F40}"/>
+                <a16:creationId xmlns:a16="http://schemas.microsoft.com/office/drawing/2014/main" id="{92860751-0CFA-42BE-8CC8-6104472C0249}"/>
               </a:ext>
             </a:extLst>
           </p:cNvPr>
@@ -4277,15 +5787,15 @@
         </p:nvSpPr>
         <p:spPr>
           <a:xfrm>
-            <a:off x="7377403" y="1506985"/>
-            <a:ext cx="3707364" cy="4791055"/>
+            <a:off x="4130351" y="1310471"/>
+            <a:ext cx="6096000" cy="4237057"/>
           </a:xfrm>
           <a:prstGeom prst="rect">
             <a:avLst/>
           </a:prstGeom>
         </p:spPr>
         <p:txBody>
-          <a:bodyPr wrap="square">
+          <a:bodyPr>
             <a:spAutoFit/>
           </a:bodyPr>
           <a:lstStyle/>
@@ -4302,7 +5812,7 @@
                 </a:solidFill>
                 <a:latin typeface="Arial" panose="020B0604020202020204" pitchFamily="34" charset="0"/>
               </a:rPr>
-              <a:t>Max IBU: 138</a:t>
+              <a:t>Max ABV: 12.8%</a:t>
             </a:r>
             <a:endParaRPr lang="en-US" sz="3600" b="0" dirty="0">
               <a:effectLst/>
@@ -4321,7 +5831,7 @@
                 </a:solidFill>
                 <a:latin typeface="Arial" panose="020B0604020202020204" pitchFamily="34" charset="0"/>
               </a:rPr>
-              <a:t>Bitter Bitch Imperial IPA</a:t>
+              <a:t>Lee Hill Series Vol. 5 - Belgian Style Quadrupel Ale</a:t>
             </a:r>
             <a:endParaRPr lang="en-US" sz="3600" b="0" dirty="0">
               <a:effectLst/>
@@ -4340,7 +5850,7 @@
                 </a:solidFill>
                 <a:latin typeface="Arial" panose="020B0604020202020204" pitchFamily="34" charset="0"/>
               </a:rPr>
-              <a:t>Astoria Brewing Company</a:t>
+              <a:t>Upslope Brewing Company</a:t>
             </a:r>
             <a:endParaRPr lang="en-US" sz="3600" b="0" dirty="0">
               <a:effectLst/>
@@ -4359,7 +5869,7 @@
                 </a:solidFill>
                 <a:latin typeface="Arial" panose="020B0604020202020204" pitchFamily="34" charset="0"/>
               </a:rPr>
-              <a:t>Astoria, Oregon</a:t>
+              <a:t>Boulder, Colorado</a:t>
             </a:r>
             <a:endParaRPr lang="en-US" sz="3600" b="0" dirty="0">
               <a:effectLst/>
@@ -4376,7 +5886,7 @@
     </p:spTree>
     <p:extLst>
       <p:ext uri="{BB962C8B-B14F-4D97-AF65-F5344CB8AC3E}">
-        <p14:creationId xmlns:p14="http://schemas.microsoft.com/office/powerpoint/2010/main" val="4058059174"/>
+        <p14:creationId xmlns:p14="http://schemas.microsoft.com/office/powerpoint/2010/main" val="3969771834"/>
       </p:ext>
     </p:extLst>
   </p:cSld>
@@ -4403,167 +5913,176 @@
           <a:chExt cx="0" cy="0"/>
         </a:xfrm>
       </p:grpSpPr>
-      <p:pic>
-        <p:nvPicPr>
-          <p:cNvPr id="4098" name="Picture 2">
-            <a:extLst>
-              <a:ext uri="{FF2B5EF4-FFF2-40B4-BE49-F238E27FC236}">
-                <a16:creationId xmlns:a16="http://schemas.microsoft.com/office/drawing/2014/main" id="{26B7E6E8-3A96-434A-864C-A628016AACD1}"/>
-              </a:ext>
-            </a:extLst>
-          </p:cNvPr>
-          <p:cNvPicPr>
-            <a:picLocks noChangeAspect="1" noChangeArrowheads="1"/>
-          </p:cNvPicPr>
+      <p:sp>
+        <p:nvSpPr>
+          <p:cNvPr id="5" name="TextBox 4">
+            <a:extLst>
+              <a:ext uri="{FF2B5EF4-FFF2-40B4-BE49-F238E27FC236}">
+                <a16:creationId xmlns:a16="http://schemas.microsoft.com/office/drawing/2014/main" id="{0E8E8B5C-8972-4E10-8D19-723C6FC3983D}"/>
+              </a:ext>
+            </a:extLst>
+          </p:cNvPr>
+          <p:cNvSpPr txBox="1"/>
           <p:nvPr/>
-        </p:nvPicPr>
-        <p:blipFill>
-          <a:blip r:embed="rId2">
-            <a:extLst>
-              <a:ext uri="{28A0092B-C50C-407E-A947-70E740481C1C}">
-                <a14:useLocalDpi xmlns:a14="http://schemas.microsoft.com/office/drawing/2010/main" val="0"/>
-              </a:ext>
-            </a:extLst>
-          </a:blip>
-          <a:srcRect/>
-          <a:stretch>
-            <a:fillRect/>
-          </a:stretch>
-        </p:blipFill>
-        <p:spPr bwMode="auto">
+        </p:nvSpPr>
+        <p:spPr>
           <a:xfrm>
-            <a:off x="0" y="0"/>
-            <a:ext cx="2948940" cy="6858000"/>
+            <a:off x="9915787" y="2551837"/>
+            <a:ext cx="966931" cy="1754326"/>
           </a:xfrm>
           <a:prstGeom prst="rect">
             <a:avLst/>
           </a:prstGeom>
           <a:noFill/>
-          <a:extLst>
-            <a:ext uri="{909E8E84-426E-40DD-AFC4-6F175D3DCCD1}">
-              <a14:hiddenFill xmlns:a14="http://schemas.microsoft.com/office/drawing/2010/main">
-                <a:solidFill>
-                  <a:srgbClr val="FFFFFF"/>
-                </a:solidFill>
-              </a14:hiddenFill>
-            </a:ext>
-          </a:extLst>
         </p:spPr>
-      </p:pic>
-      <p:sp>
-        <p:nvSpPr>
-          <p:cNvPr id="4" name="Rectangle 3">
-            <a:extLst>
-              <a:ext uri="{FF2B5EF4-FFF2-40B4-BE49-F238E27FC236}">
-                <a16:creationId xmlns:a16="http://schemas.microsoft.com/office/drawing/2014/main" id="{92860751-0CFA-42BE-8CC8-6104472C0249}"/>
-              </a:ext>
-            </a:extLst>
-          </p:cNvPr>
-          <p:cNvSpPr/>
+        <p:txBody>
+          <a:bodyPr wrap="none" rtlCol="0">
+            <a:spAutoFit/>
+          </a:bodyPr>
+          <a:lstStyle/>
+          <a:p>
+            <a:pPr algn="r"/>
+            <a:r>
+              <a:rPr lang="en-US" dirty="0"/>
+              <a:t>Min: </a:t>
+            </a:r>
+          </a:p>
+          <a:p>
+            <a:pPr algn="r"/>
+            <a:r>
+              <a:rPr lang="en-US" dirty="0"/>
+              <a:t>Q1:</a:t>
+            </a:r>
+          </a:p>
+          <a:p>
+            <a:pPr algn="r"/>
+            <a:r>
+              <a:rPr lang="en-US" dirty="0"/>
+              <a:t>Median:</a:t>
+            </a:r>
+          </a:p>
+          <a:p>
+            <a:pPr algn="r"/>
+            <a:r>
+              <a:rPr lang="en-US" dirty="0"/>
+              <a:t>Q3:</a:t>
+            </a:r>
+          </a:p>
+          <a:p>
+            <a:pPr algn="r"/>
+            <a:r>
+              <a:rPr lang="en-US" dirty="0"/>
+              <a:t>Max:</a:t>
+            </a:r>
+          </a:p>
+          <a:p>
+            <a:pPr algn="r"/>
+            <a:r>
+              <a:rPr lang="en-US" dirty="0"/>
+              <a:t>Mean:</a:t>
+            </a:r>
+          </a:p>
+        </p:txBody>
+      </p:sp>
+      <p:sp>
+        <p:nvSpPr>
+          <p:cNvPr id="6" name="TextBox 5">
+            <a:extLst>
+              <a:ext uri="{FF2B5EF4-FFF2-40B4-BE49-F238E27FC236}">
+                <a16:creationId xmlns:a16="http://schemas.microsoft.com/office/drawing/2014/main" id="{19B433B9-C26F-4B47-8B3B-29FEF8124BAF}"/>
+              </a:ext>
+            </a:extLst>
+          </p:cNvPr>
+          <p:cNvSpPr txBox="1"/>
           <p:nvPr/>
         </p:nvSpPr>
         <p:spPr>
           <a:xfrm>
-            <a:off x="4130351" y="1310471"/>
-            <a:ext cx="6096000" cy="4237057"/>
+            <a:off x="10882718" y="2551837"/>
+            <a:ext cx="877019" cy="1754326"/>
+          </a:xfrm>
+          <a:prstGeom prst="rect">
+            <a:avLst/>
+          </a:prstGeom>
+          <a:noFill/>
+        </p:spPr>
+        <p:txBody>
+          <a:bodyPr wrap="square" rtlCol="0">
+            <a:spAutoFit/>
+          </a:bodyPr>
+          <a:lstStyle/>
+          <a:p>
+            <a:r>
+              <a:rPr lang="en-US" dirty="0"/>
+              <a:t>2.70%</a:t>
+            </a:r>
+          </a:p>
+          <a:p>
+            <a:r>
+              <a:rPr lang="en-US" dirty="0"/>
+              <a:t>5.00%</a:t>
+            </a:r>
+          </a:p>
+          <a:p>
+            <a:r>
+              <a:rPr lang="en-US" dirty="0"/>
+              <a:t>5.67%</a:t>
+            </a:r>
+          </a:p>
+          <a:p>
+            <a:r>
+              <a:rPr lang="en-US" dirty="0"/>
+              <a:t>6.70%</a:t>
+            </a:r>
+          </a:p>
+          <a:p>
+            <a:r>
+              <a:rPr lang="en-US" dirty="0"/>
+              <a:t>12.80%</a:t>
+            </a:r>
+          </a:p>
+          <a:p>
+            <a:r>
+              <a:rPr lang="en-US" dirty="0"/>
+              <a:t>5.98%</a:t>
+            </a:r>
+          </a:p>
+        </p:txBody>
+      </p:sp>
+      <p:pic>
+        <p:nvPicPr>
+          <p:cNvPr id="8" name="Picture 7">
+            <a:extLst>
+              <a:ext uri="{FF2B5EF4-FFF2-40B4-BE49-F238E27FC236}">
+                <a16:creationId xmlns:a16="http://schemas.microsoft.com/office/drawing/2014/main" id="{5A4BA2E4-AF1A-4721-91CA-69B65D794E19}"/>
+              </a:ext>
+            </a:extLst>
+          </p:cNvPr>
+          <p:cNvPicPr>
+            <a:picLocks noChangeAspect="1"/>
+          </p:cNvPicPr>
+          <p:nvPr/>
+        </p:nvPicPr>
+        <p:blipFill>
+          <a:blip r:embed="rId3"/>
+          <a:stretch>
+            <a:fillRect/>
+          </a:stretch>
+        </p:blipFill>
+        <p:spPr>
+          <a:xfrm>
+            <a:off x="0" y="0"/>
+            <a:ext cx="9915787" cy="6858000"/>
           </a:xfrm>
           <a:prstGeom prst="rect">
             <a:avLst/>
           </a:prstGeom>
         </p:spPr>
-        <p:txBody>
-          <a:bodyPr>
-            <a:spAutoFit/>
-          </a:bodyPr>
-          <a:lstStyle/>
-          <a:p>
-            <a:pPr algn="ctr">
-              <a:spcAft>
-                <a:spcPts val="1600"/>
-              </a:spcAft>
-            </a:pPr>
-            <a:r>
-              <a:rPr lang="en-US" sz="3600" dirty="0">
-                <a:solidFill>
-                  <a:srgbClr val="000000"/>
-                </a:solidFill>
-                <a:latin typeface="Arial" panose="020B0604020202020204" pitchFamily="34" charset="0"/>
-              </a:rPr>
-              <a:t>Max ABV: 12.8%</a:t>
-            </a:r>
-            <a:endParaRPr lang="en-US" sz="3600" b="0" dirty="0">
-              <a:effectLst/>
-            </a:endParaRPr>
-          </a:p>
-          <a:p>
-            <a:pPr algn="ctr">
-              <a:spcAft>
-                <a:spcPts val="1600"/>
-              </a:spcAft>
-            </a:pPr>
-            <a:r>
-              <a:rPr lang="en-US" sz="3600" dirty="0">
-                <a:solidFill>
-                  <a:srgbClr val="000000"/>
-                </a:solidFill>
-                <a:latin typeface="Arial" panose="020B0604020202020204" pitchFamily="34" charset="0"/>
-              </a:rPr>
-              <a:t>Lee Hill Series Vol. 5 - Belgian Style Quadrupel Ale</a:t>
-            </a:r>
-            <a:endParaRPr lang="en-US" sz="3600" b="0" dirty="0">
-              <a:effectLst/>
-            </a:endParaRPr>
-          </a:p>
-          <a:p>
-            <a:pPr algn="ctr">
-              <a:spcAft>
-                <a:spcPts val="1600"/>
-              </a:spcAft>
-            </a:pPr>
-            <a:r>
-              <a:rPr lang="en-US" sz="3600" dirty="0">
-                <a:solidFill>
-                  <a:srgbClr val="000000"/>
-                </a:solidFill>
-                <a:latin typeface="Arial" panose="020B0604020202020204" pitchFamily="34" charset="0"/>
-              </a:rPr>
-              <a:t>Upslope Brewing Company</a:t>
-            </a:r>
-            <a:endParaRPr lang="en-US" sz="3600" b="0" dirty="0">
-              <a:effectLst/>
-            </a:endParaRPr>
-          </a:p>
-          <a:p>
-            <a:pPr algn="ctr">
-              <a:spcAft>
-                <a:spcPts val="1600"/>
-              </a:spcAft>
-            </a:pPr>
-            <a:r>
-              <a:rPr lang="en-US" sz="3600" dirty="0">
-                <a:solidFill>
-                  <a:srgbClr val="000000"/>
-                </a:solidFill>
-                <a:latin typeface="Arial" panose="020B0604020202020204" pitchFamily="34" charset="0"/>
-              </a:rPr>
-              <a:t>Boulder, Colorado</a:t>
-            </a:r>
-            <a:endParaRPr lang="en-US" sz="3600" b="0" dirty="0">
-              <a:effectLst/>
-            </a:endParaRPr>
-          </a:p>
-          <a:p>
-            <a:br>
-              <a:rPr lang="en-US" dirty="0"/>
-            </a:br>
-            <a:endParaRPr lang="en-US" dirty="0"/>
-          </a:p>
-        </p:txBody>
-      </p:sp>
+      </p:pic>
     </p:spTree>
     <p:extLst>
       <p:ext uri="{BB962C8B-B14F-4D97-AF65-F5344CB8AC3E}">
-        <p14:creationId xmlns:p14="http://schemas.microsoft.com/office/powerpoint/2010/main" val="3969771834"/>
+        <p14:creationId xmlns:p14="http://schemas.microsoft.com/office/powerpoint/2010/main" val="523820700"/>
       </p:ext>
     </p:extLst>
   </p:cSld>
@@ -4590,148 +6109,12 @@
           <a:chExt cx="0" cy="0"/>
         </a:xfrm>
       </p:grpSpPr>
-      <p:sp>
-        <p:nvSpPr>
-          <p:cNvPr id="5" name="TextBox 4">
-            <a:extLst>
-              <a:ext uri="{FF2B5EF4-FFF2-40B4-BE49-F238E27FC236}">
-                <a16:creationId xmlns:a16="http://schemas.microsoft.com/office/drawing/2014/main" id="{0E8E8B5C-8972-4E10-8D19-723C6FC3983D}"/>
-              </a:ext>
-            </a:extLst>
-          </p:cNvPr>
-          <p:cNvSpPr txBox="1"/>
-          <p:nvPr/>
-        </p:nvSpPr>
-        <p:spPr>
-          <a:xfrm>
-            <a:off x="9915787" y="2551837"/>
-            <a:ext cx="966931" cy="1754326"/>
-          </a:xfrm>
-          <a:prstGeom prst="rect">
-            <a:avLst/>
-          </a:prstGeom>
-          <a:noFill/>
-        </p:spPr>
-        <p:txBody>
-          <a:bodyPr wrap="none" rtlCol="0">
-            <a:spAutoFit/>
-          </a:bodyPr>
-          <a:lstStyle/>
-          <a:p>
-            <a:pPr algn="r"/>
-            <a:r>
-              <a:rPr lang="en-US" dirty="0"/>
-              <a:t>Min: </a:t>
-            </a:r>
-          </a:p>
-          <a:p>
-            <a:pPr algn="r"/>
-            <a:r>
-              <a:rPr lang="en-US" dirty="0"/>
-              <a:t>Q1:</a:t>
-            </a:r>
-          </a:p>
-          <a:p>
-            <a:pPr algn="r"/>
-            <a:r>
-              <a:rPr lang="en-US" dirty="0"/>
-              <a:t>Median:</a:t>
-            </a:r>
-          </a:p>
-          <a:p>
-            <a:pPr algn="r"/>
-            <a:r>
-              <a:rPr lang="en-US" dirty="0"/>
-              <a:t>Q3:</a:t>
-            </a:r>
-          </a:p>
-          <a:p>
-            <a:pPr algn="r"/>
-            <a:r>
-              <a:rPr lang="en-US" dirty="0"/>
-              <a:t>Max:</a:t>
-            </a:r>
-          </a:p>
-          <a:p>
-            <a:pPr algn="r"/>
-            <a:r>
-              <a:rPr lang="en-US" dirty="0"/>
-              <a:t>Mean:</a:t>
-            </a:r>
-          </a:p>
-        </p:txBody>
-      </p:sp>
-      <p:sp>
-        <p:nvSpPr>
-          <p:cNvPr id="6" name="TextBox 5">
-            <a:extLst>
-              <a:ext uri="{FF2B5EF4-FFF2-40B4-BE49-F238E27FC236}">
-                <a16:creationId xmlns:a16="http://schemas.microsoft.com/office/drawing/2014/main" id="{19B433B9-C26F-4B47-8B3B-29FEF8124BAF}"/>
-              </a:ext>
-            </a:extLst>
-          </p:cNvPr>
-          <p:cNvSpPr txBox="1"/>
-          <p:nvPr/>
-        </p:nvSpPr>
-        <p:spPr>
-          <a:xfrm>
-            <a:off x="10882718" y="2551837"/>
-            <a:ext cx="877019" cy="1754326"/>
-          </a:xfrm>
-          <a:prstGeom prst="rect">
-            <a:avLst/>
-          </a:prstGeom>
-          <a:noFill/>
-        </p:spPr>
-        <p:txBody>
-          <a:bodyPr wrap="square" rtlCol="0">
-            <a:spAutoFit/>
-          </a:bodyPr>
-          <a:lstStyle/>
-          <a:p>
-            <a:r>
-              <a:rPr lang="en-US" dirty="0"/>
-              <a:t>2.70%</a:t>
-            </a:r>
-          </a:p>
-          <a:p>
-            <a:r>
-              <a:rPr lang="en-US" dirty="0"/>
-              <a:t>5.00%</a:t>
-            </a:r>
-          </a:p>
-          <a:p>
-            <a:r>
-              <a:rPr lang="en-US" dirty="0"/>
-              <a:t>5.67%</a:t>
-            </a:r>
-          </a:p>
-          <a:p>
-            <a:r>
-              <a:rPr lang="en-US" dirty="0"/>
-              <a:t>6.70%</a:t>
-            </a:r>
-          </a:p>
-          <a:p>
-            <a:r>
-              <a:rPr lang="en-US" dirty="0"/>
-              <a:t>12.80%</a:t>
-            </a:r>
-          </a:p>
-          <a:p>
-            <a:r>
-              <a:rPr lang="en-US" dirty="0"/>
-              <a:t>5.98%</a:t>
-            </a:r>
-          </a:p>
-        </p:txBody>
-      </p:sp>
       <p:pic>
         <p:nvPicPr>
-          <p:cNvPr id="8" name="Picture 7">
-            <a:extLst>
-              <a:ext uri="{FF2B5EF4-FFF2-40B4-BE49-F238E27FC236}">
-                <a16:creationId xmlns:a16="http://schemas.microsoft.com/office/drawing/2014/main" id="{5A4BA2E4-AF1A-4721-91CA-69B65D794E19}"/>
+          <p:cNvPr id="2" name="Picture 1">
+            <a:extLst>
+              <a:ext uri="{FF2B5EF4-FFF2-40B4-BE49-F238E27FC236}">
+                <a16:creationId xmlns:a16="http://schemas.microsoft.com/office/drawing/2014/main" id="{DBFF7BDB-5C7C-484D-8DCE-C1AF2C0C9FE6}"/>
               </a:ext>
             </a:extLst>
           </p:cNvPr>
@@ -4741,7 +6124,7 @@
           <p:nvPr/>
         </p:nvPicPr>
         <p:blipFill>
-          <a:blip r:embed="rId2"/>
+          <a:blip r:embed="rId3"/>
           <a:stretch>
             <a:fillRect/>
           </a:stretch>
@@ -4749,7 +6132,7 @@
         <p:spPr>
           <a:xfrm>
             <a:off x="0" y="0"/>
-            <a:ext cx="9915787" cy="6858000"/>
+            <a:ext cx="12192000" cy="6858000"/>
           </a:xfrm>
           <a:prstGeom prst="rect">
             <a:avLst/>
@@ -4759,7 +6142,7 @@
     </p:spTree>
     <p:extLst>
       <p:ext uri="{BB962C8B-B14F-4D97-AF65-F5344CB8AC3E}">
-        <p14:creationId xmlns:p14="http://schemas.microsoft.com/office/powerpoint/2010/main" val="523820700"/>
+        <p14:creationId xmlns:p14="http://schemas.microsoft.com/office/powerpoint/2010/main" val="1822941447"/>
       </p:ext>
     </p:extLst>
   </p:cSld>
@@ -4788,10 +6171,10 @@
       </p:grpSpPr>
       <p:pic>
         <p:nvPicPr>
-          <p:cNvPr id="2" name="Picture 1">
-            <a:extLst>
-              <a:ext uri="{FF2B5EF4-FFF2-40B4-BE49-F238E27FC236}">
-                <a16:creationId xmlns:a16="http://schemas.microsoft.com/office/drawing/2014/main" id="{DBFF7BDB-5C7C-484D-8DCE-C1AF2C0C9FE6}"/>
+          <p:cNvPr id="5" name="Picture 4">
+            <a:extLst>
+              <a:ext uri="{FF2B5EF4-FFF2-40B4-BE49-F238E27FC236}">
+                <a16:creationId xmlns:a16="http://schemas.microsoft.com/office/drawing/2014/main" id="{4E5814EF-3C21-49AC-AF9D-661860979B7E}"/>
               </a:ext>
             </a:extLst>
           </p:cNvPr>
@@ -4801,7 +6184,7 @@
           <p:nvPr/>
         </p:nvPicPr>
         <p:blipFill>
-          <a:blip r:embed="rId2"/>
+          <a:blip r:embed="rId3"/>
           <a:stretch>
             <a:fillRect/>
           </a:stretch>
@@ -4819,7 +6202,7 @@
     </p:spTree>
     <p:extLst>
       <p:ext uri="{BB962C8B-B14F-4D97-AF65-F5344CB8AC3E}">
-        <p14:creationId xmlns:p14="http://schemas.microsoft.com/office/powerpoint/2010/main" val="1822941447"/>
+        <p14:creationId xmlns:p14="http://schemas.microsoft.com/office/powerpoint/2010/main" val="1816300937"/>
       </p:ext>
     </p:extLst>
   </p:cSld>
@@ -5122,4 +6505,299 @@
     </a:ext>
   </a:extLst>
 </a:theme>
+</file>
+
+<file path=ppt/theme/theme2.xml><?xml version="1.0" encoding="utf-8"?>
+<a:theme xmlns:a="http://schemas.openxmlformats.org/drawingml/2006/main" name="Office Theme">
+  <a:themeElements>
+    <a:clrScheme name="Office">
+      <a:dk1>
+        <a:sysClr val="windowText" lastClr="000000"/>
+      </a:dk1>
+      <a:lt1>
+        <a:sysClr val="window" lastClr="FFFFFF"/>
+      </a:lt1>
+      <a:dk2>
+        <a:srgbClr val="44546A"/>
+      </a:dk2>
+      <a:lt2>
+        <a:srgbClr val="E7E6E6"/>
+      </a:lt2>
+      <a:accent1>
+        <a:srgbClr val="4472C4"/>
+      </a:accent1>
+      <a:accent2>
+        <a:srgbClr val="ED7D31"/>
+      </a:accent2>
+      <a:accent3>
+        <a:srgbClr val="A5A5A5"/>
+      </a:accent3>
+      <a:accent4>
+        <a:srgbClr val="FFC000"/>
+      </a:accent4>
+      <a:accent5>
+        <a:srgbClr val="5B9BD5"/>
+      </a:accent5>
+      <a:accent6>
+        <a:srgbClr val="70AD47"/>
+      </a:accent6>
+      <a:hlink>
+        <a:srgbClr val="0563C1"/>
+      </a:hlink>
+      <a:folHlink>
+        <a:srgbClr val="954F72"/>
+      </a:folHlink>
+    </a:clrScheme>
+    <a:fontScheme name="Office">
+      <a:majorFont>
+        <a:latin typeface="Calibri Light" panose="020F0302020204030204"/>
+        <a:ea typeface=""/>
+        <a:cs typeface=""/>
+        <a:font script="Jpan" typeface="游ゴシック Light"/>
+        <a:font script="Hang" typeface="맑은 고딕"/>
+        <a:font script="Hans" typeface="等线 Light"/>
+        <a:font script="Hant" typeface="新細明體"/>
+        <a:font script="Arab" typeface="Times New Roman"/>
+        <a:font script="Hebr" typeface="Times New Roman"/>
+        <a:font script="Thai" typeface="Angsana New"/>
+        <a:font script="Ethi" typeface="Nyala"/>
+        <a:font script="Beng" typeface="Vrinda"/>
+        <a:font script="Gujr" typeface="Shruti"/>
+        <a:font script="Khmr" typeface="MoolBoran"/>
+        <a:font script="Knda" typeface="Tunga"/>
+        <a:font script="Guru" typeface="Raavi"/>
+        <a:font script="Cans" typeface="Euphemia"/>
+        <a:font script="Cher" typeface="Plantagenet Cherokee"/>
+        <a:font script="Yiii" typeface="Microsoft Yi Baiti"/>
+        <a:font script="Tibt" typeface="Microsoft Himalaya"/>
+        <a:font script="Thaa" typeface="MV Boli"/>
+        <a:font script="Deva" typeface="Mangal"/>
+        <a:font script="Telu" typeface="Gautami"/>
+        <a:font script="Taml" typeface="Latha"/>
+        <a:font script="Syrc" typeface="Estrangelo Edessa"/>
+        <a:font script="Orya" typeface="Kalinga"/>
+        <a:font script="Mlym" typeface="Kartika"/>
+        <a:font script="Laoo" typeface="DokChampa"/>
+        <a:font script="Sinh" typeface="Iskoola Pota"/>
+        <a:font script="Mong" typeface="Mongolian Baiti"/>
+        <a:font script="Viet" typeface="Times New Roman"/>
+        <a:font script="Uigh" typeface="Microsoft Uighur"/>
+        <a:font script="Geor" typeface="Sylfaen"/>
+        <a:font script="Armn" typeface="Arial"/>
+        <a:font script="Bugi" typeface="Leelawadee UI"/>
+        <a:font script="Bopo" typeface="Microsoft JhengHei"/>
+        <a:font script="Java" typeface="Javanese Text"/>
+        <a:font script="Lisu" typeface="Segoe UI"/>
+        <a:font script="Mymr" typeface="Myanmar Text"/>
+        <a:font script="Nkoo" typeface="Ebrima"/>
+        <a:font script="Olck" typeface="Nirmala UI"/>
+        <a:font script="Osma" typeface="Ebrima"/>
+        <a:font script="Phag" typeface="Phagspa"/>
+        <a:font script="Syrn" typeface="Estrangelo Edessa"/>
+        <a:font script="Syrj" typeface="Estrangelo Edessa"/>
+        <a:font script="Syre" typeface="Estrangelo Edessa"/>
+        <a:font script="Sora" typeface="Nirmala UI"/>
+        <a:font script="Tale" typeface="Microsoft Tai Le"/>
+        <a:font script="Talu" typeface="Microsoft New Tai Lue"/>
+        <a:font script="Tfng" typeface="Ebrima"/>
+      </a:majorFont>
+      <a:minorFont>
+        <a:latin typeface="Calibri" panose="020F0502020204030204"/>
+        <a:ea typeface=""/>
+        <a:cs typeface=""/>
+        <a:font script="Jpan" typeface="游ゴシック"/>
+        <a:font script="Hang" typeface="맑은 고딕"/>
+        <a:font script="Hans" typeface="等线"/>
+        <a:font script="Hant" typeface="新細明體"/>
+        <a:font script="Arab" typeface="Arial"/>
+        <a:font script="Hebr" typeface="Arial"/>
+        <a:font script="Thai" typeface="Cordia New"/>
+        <a:font script="Ethi" typeface="Nyala"/>
+        <a:font script="Beng" typeface="Vrinda"/>
+        <a:font script="Gujr" typeface="Shruti"/>
+        <a:font script="Khmr" typeface="DaunPenh"/>
+        <a:font script="Knda" typeface="Tunga"/>
+        <a:font script="Guru" typeface="Raavi"/>
+        <a:font script="Cans" typeface="Euphemia"/>
+        <a:font script="Cher" typeface="Plantagenet Cherokee"/>
+        <a:font script="Yiii" typeface="Microsoft Yi Baiti"/>
+        <a:font script="Tibt" typeface="Microsoft Himalaya"/>
+        <a:font script="Thaa" typeface="MV Boli"/>
+        <a:font script="Deva" typeface="Mangal"/>
+        <a:font script="Telu" typeface="Gautami"/>
+        <a:font script="Taml" typeface="Latha"/>
+        <a:font script="Syrc" typeface="Estrangelo Edessa"/>
+        <a:font script="Orya" typeface="Kalinga"/>
+        <a:font script="Mlym" typeface="Kartika"/>
+        <a:font script="Laoo" typeface="DokChampa"/>
+        <a:font script="Sinh" typeface="Iskoola Pota"/>
+        <a:font script="Mong" typeface="Mongolian Baiti"/>
+        <a:font script="Viet" typeface="Arial"/>
+        <a:font script="Uigh" typeface="Microsoft Uighur"/>
+        <a:font script="Geor" typeface="Sylfaen"/>
+        <a:font script="Armn" typeface="Arial"/>
+        <a:font script="Bugi" typeface="Leelawadee UI"/>
+        <a:font script="Bopo" typeface="Microsoft JhengHei"/>
+        <a:font script="Java" typeface="Javanese Text"/>
+        <a:font script="Lisu" typeface="Segoe UI"/>
+        <a:font script="Mymr" typeface="Myanmar Text"/>
+        <a:font script="Nkoo" typeface="Ebrima"/>
+        <a:font script="Olck" typeface="Nirmala UI"/>
+        <a:font script="Osma" typeface="Ebrima"/>
+        <a:font script="Phag" typeface="Phagspa"/>
+        <a:font script="Syrn" typeface="Estrangelo Edessa"/>
+        <a:font script="Syrj" typeface="Estrangelo Edessa"/>
+        <a:font script="Syre" typeface="Estrangelo Edessa"/>
+        <a:font script="Sora" typeface="Nirmala UI"/>
+        <a:font script="Tale" typeface="Microsoft Tai Le"/>
+        <a:font script="Talu" typeface="Microsoft New Tai Lue"/>
+        <a:font script="Tfng" typeface="Ebrima"/>
+      </a:minorFont>
+    </a:fontScheme>
+    <a:fmtScheme name="Office">
+      <a:fillStyleLst>
+        <a:solidFill>
+          <a:schemeClr val="phClr"/>
+        </a:solidFill>
+        <a:gradFill rotWithShape="1">
+          <a:gsLst>
+            <a:gs pos="0">
+              <a:schemeClr val="phClr">
+                <a:lumMod val="110000"/>
+                <a:satMod val="105000"/>
+                <a:tint val="67000"/>
+              </a:schemeClr>
+            </a:gs>
+            <a:gs pos="50000">
+              <a:schemeClr val="phClr">
+                <a:lumMod val="105000"/>
+                <a:satMod val="103000"/>
+                <a:tint val="73000"/>
+              </a:schemeClr>
+            </a:gs>
+            <a:gs pos="100000">
+              <a:schemeClr val="phClr">
+                <a:lumMod val="105000"/>
+                <a:satMod val="109000"/>
+                <a:tint val="81000"/>
+              </a:schemeClr>
+            </a:gs>
+          </a:gsLst>
+          <a:lin ang="5400000" scaled="0"/>
+        </a:gradFill>
+        <a:gradFill rotWithShape="1">
+          <a:gsLst>
+            <a:gs pos="0">
+              <a:schemeClr val="phClr">
+                <a:satMod val="103000"/>
+                <a:lumMod val="102000"/>
+                <a:tint val="94000"/>
+              </a:schemeClr>
+            </a:gs>
+            <a:gs pos="50000">
+              <a:schemeClr val="phClr">
+                <a:satMod val="110000"/>
+                <a:lumMod val="100000"/>
+                <a:shade val="100000"/>
+              </a:schemeClr>
+            </a:gs>
+            <a:gs pos="100000">
+              <a:schemeClr val="phClr">
+                <a:lumMod val="99000"/>
+                <a:satMod val="120000"/>
+                <a:shade val="78000"/>
+              </a:schemeClr>
+            </a:gs>
+          </a:gsLst>
+          <a:lin ang="5400000" scaled="0"/>
+        </a:gradFill>
+      </a:fillStyleLst>
+      <a:lnStyleLst>
+        <a:ln w="6350" cap="flat" cmpd="sng" algn="ctr">
+          <a:solidFill>
+            <a:schemeClr val="phClr"/>
+          </a:solidFill>
+          <a:prstDash val="solid"/>
+          <a:miter lim="800000"/>
+        </a:ln>
+        <a:ln w="12700" cap="flat" cmpd="sng" algn="ctr">
+          <a:solidFill>
+            <a:schemeClr val="phClr"/>
+          </a:solidFill>
+          <a:prstDash val="solid"/>
+          <a:miter lim="800000"/>
+        </a:ln>
+        <a:ln w="19050" cap="flat" cmpd="sng" algn="ctr">
+          <a:solidFill>
+            <a:schemeClr val="phClr"/>
+          </a:solidFill>
+          <a:prstDash val="solid"/>
+          <a:miter lim="800000"/>
+        </a:ln>
+      </a:lnStyleLst>
+      <a:effectStyleLst>
+        <a:effectStyle>
+          <a:effectLst/>
+        </a:effectStyle>
+        <a:effectStyle>
+          <a:effectLst/>
+        </a:effectStyle>
+        <a:effectStyle>
+          <a:effectLst>
+            <a:outerShdw blurRad="57150" dist="19050" dir="5400000" algn="ctr" rotWithShape="0">
+              <a:srgbClr val="000000">
+                <a:alpha val="63000"/>
+              </a:srgbClr>
+            </a:outerShdw>
+          </a:effectLst>
+        </a:effectStyle>
+      </a:effectStyleLst>
+      <a:bgFillStyleLst>
+        <a:solidFill>
+          <a:schemeClr val="phClr"/>
+        </a:solidFill>
+        <a:solidFill>
+          <a:schemeClr val="phClr">
+            <a:tint val="95000"/>
+            <a:satMod val="170000"/>
+          </a:schemeClr>
+        </a:solidFill>
+        <a:gradFill rotWithShape="1">
+          <a:gsLst>
+            <a:gs pos="0">
+              <a:schemeClr val="phClr">
+                <a:tint val="93000"/>
+                <a:satMod val="150000"/>
+                <a:shade val="98000"/>
+                <a:lumMod val="102000"/>
+              </a:schemeClr>
+            </a:gs>
+            <a:gs pos="50000">
+              <a:schemeClr val="phClr">
+                <a:tint val="98000"/>
+                <a:satMod val="130000"/>
+                <a:shade val="90000"/>
+                <a:lumMod val="103000"/>
+              </a:schemeClr>
+            </a:gs>
+            <a:gs pos="100000">
+              <a:schemeClr val="phClr">
+                <a:shade val="63000"/>
+                <a:satMod val="120000"/>
+              </a:schemeClr>
+            </a:gs>
+          </a:gsLst>
+          <a:lin ang="5400000" scaled="0"/>
+        </a:gradFill>
+      </a:bgFillStyleLst>
+    </a:fmtScheme>
+  </a:themeElements>
+  <a:objectDefaults/>
+  <a:extraClrSchemeLst/>
+  <a:extLst>
+    <a:ext uri="{05A4C25C-085E-4340-85A3-A5531E510DB2}">
+      <thm15:themeFamily xmlns:thm15="http://schemas.microsoft.com/office/thememl/2012/main" name="Office Theme" id="{62F939B6-93AF-4DB8-9C6B-D6C7DFDC589F}" vid="{4A3C46E8-61CC-4603-A589-7422A47A8E4A}"/>
+    </a:ext>
+  </a:extLst>
+</a:theme>
 </file>